--- a/presentations/Initial Workshop.pptx
+++ b/presentations/Initial Workshop.pptx
@@ -150,7 +150,7 @@
 <file path=ppt/revisionInfo.xml><?xml version="1.0" encoding="utf-8"?>
 <p1510:revInfo xmlns:a="http://schemas.openxmlformats.org/drawingml/2006/main" xmlns:r="http://schemas.openxmlformats.org/officeDocument/2006/relationships" xmlns:p1510="http://schemas.microsoft.com/office/powerpoint/2015/10/main">
   <p1510:revLst>
-    <p1510:client id="{FE1DC0C1-E868-477E-858F-023882C115E2}" v="16" dt="2022-10-17T11:23:50.845"/>
+    <p1510:client id="{FE1DC0C1-E868-477E-858F-023882C115E2}" v="142" dt="2022-10-27T15:00:07.730"/>
   </p1510:revLst>
 </p1510:revInfo>
 </file>
@@ -160,7 +160,7 @@
   <pc:docChgLst>
     <pc:chgData name="Markella Nikolopoulou-Themeli" userId="da9cb5e2-4d8b-46eb-898e-a612e4aaf597" providerId="ADAL" clId="{FE1DC0C1-E868-477E-858F-023882C115E2}"/>
     <pc:docChg chg="undo redo custSel addSld delSld modSld sldOrd">
-      <pc:chgData name="Markella Nikolopoulou-Themeli" userId="da9cb5e2-4d8b-46eb-898e-a612e4aaf597" providerId="ADAL" clId="{FE1DC0C1-E868-477E-858F-023882C115E2}" dt="2022-10-17T11:24:24.460" v="4052" actId="20577"/>
+      <pc:chgData name="Markella Nikolopoulou-Themeli" userId="da9cb5e2-4d8b-46eb-898e-a612e4aaf597" providerId="ADAL" clId="{FE1DC0C1-E868-477E-858F-023882C115E2}" dt="2022-10-27T15:00:07.730" v="4179" actId="20577"/>
       <pc:docMkLst>
         <pc:docMk/>
       </pc:docMkLst>
@@ -674,8 +674,8 @@
           </ac:spMkLst>
         </pc:spChg>
       </pc:sldChg>
-      <pc:sldChg chg="modSp new mod">
-        <pc:chgData name="Markella Nikolopoulou-Themeli" userId="da9cb5e2-4d8b-46eb-898e-a612e4aaf597" providerId="ADAL" clId="{FE1DC0C1-E868-477E-858F-023882C115E2}" dt="2022-10-17T11:24:24.460" v="4052" actId="20577"/>
+      <pc:sldChg chg="addSp delSp modSp new mod">
+        <pc:chgData name="Markella Nikolopoulou-Themeli" userId="da9cb5e2-4d8b-46eb-898e-a612e4aaf597" providerId="ADAL" clId="{FE1DC0C1-E868-477E-858F-023882C115E2}" dt="2022-10-27T15:00:07.730" v="4179" actId="20577"/>
         <pc:sldMkLst>
           <pc:docMk/>
           <pc:sldMk cId="1408099738" sldId="2821"/>
@@ -688,10 +688,2739 @@
             <ac:spMk id="2" creationId="{382C94C0-E5CD-05CA-19DE-2F727653AB93}"/>
           </ac:spMkLst>
         </pc:spChg>
+        <pc:spChg chg="del">
+          <ac:chgData name="Markella Nikolopoulou-Themeli" userId="da9cb5e2-4d8b-46eb-898e-a612e4aaf597" providerId="ADAL" clId="{FE1DC0C1-E868-477E-858F-023882C115E2}" dt="2022-10-27T14:49:49.839" v="4053" actId="1032"/>
+          <ac:spMkLst>
+            <pc:docMk/>
+            <pc:sldMk cId="1408099738" sldId="2821"/>
+            <ac:spMk id="3" creationId="{0809725B-B8AF-8A3E-B098-A0C3B843B6BE}"/>
+          </ac:spMkLst>
+        </pc:spChg>
+        <pc:graphicFrameChg chg="add mod modGraphic">
+          <ac:chgData name="Markella Nikolopoulou-Themeli" userId="da9cb5e2-4d8b-46eb-898e-a612e4aaf597" providerId="ADAL" clId="{FE1DC0C1-E868-477E-858F-023882C115E2}" dt="2022-10-27T15:00:07.730" v="4179" actId="20577"/>
+          <ac:graphicFrameMkLst>
+            <pc:docMk/>
+            <pc:sldMk cId="1408099738" sldId="2821"/>
+            <ac:graphicFrameMk id="6" creationId="{213266F8-52AB-D765-A233-C16EA1C01772}"/>
+          </ac:graphicFrameMkLst>
+        </pc:graphicFrameChg>
       </pc:sldChg>
     </pc:docChg>
   </pc:docChgLst>
 </pc:chgInfo>
+</file>
+
+<file path=ppt/diagrams/colors1.xml><?xml version="1.0" encoding="utf-8"?>
+<dgm:colorsDef xmlns:dgm="http://schemas.openxmlformats.org/drawingml/2006/diagram" xmlns:a="http://schemas.openxmlformats.org/drawingml/2006/main" uniqueId="urn:microsoft.com/office/officeart/2005/8/colors/accent1_2">
+  <dgm:title val=""/>
+  <dgm:desc val=""/>
+  <dgm:catLst>
+    <dgm:cat type="accent1" pri="11200"/>
+  </dgm:catLst>
+  <dgm:styleLbl name="node0">
+    <dgm:fillClrLst meth="repeat">
+      <a:schemeClr val="accent1"/>
+    </dgm:fillClrLst>
+    <dgm:linClrLst meth="repeat">
+      <a:schemeClr val="lt1"/>
+    </dgm:linClrLst>
+    <dgm:effectClrLst/>
+    <dgm:txLinClrLst/>
+    <dgm:txFillClrLst/>
+    <dgm:txEffectClrLst/>
+  </dgm:styleLbl>
+  <dgm:styleLbl name="alignNode1">
+    <dgm:fillClrLst meth="repeat">
+      <a:schemeClr val="accent1"/>
+    </dgm:fillClrLst>
+    <dgm:linClrLst meth="repeat">
+      <a:schemeClr val="accent1"/>
+    </dgm:linClrLst>
+    <dgm:effectClrLst/>
+    <dgm:txLinClrLst/>
+    <dgm:txFillClrLst/>
+    <dgm:txEffectClrLst/>
+  </dgm:styleLbl>
+  <dgm:styleLbl name="node1">
+    <dgm:fillClrLst meth="repeat">
+      <a:schemeClr val="accent1"/>
+    </dgm:fillClrLst>
+    <dgm:linClrLst meth="repeat">
+      <a:schemeClr val="lt1"/>
+    </dgm:linClrLst>
+    <dgm:effectClrLst/>
+    <dgm:txLinClrLst/>
+    <dgm:txFillClrLst/>
+    <dgm:txEffectClrLst/>
+  </dgm:styleLbl>
+  <dgm:styleLbl name="lnNode1">
+    <dgm:fillClrLst meth="repeat">
+      <a:schemeClr val="accent1"/>
+    </dgm:fillClrLst>
+    <dgm:linClrLst meth="repeat">
+      <a:schemeClr val="lt1"/>
+    </dgm:linClrLst>
+    <dgm:effectClrLst/>
+    <dgm:txLinClrLst/>
+    <dgm:txFillClrLst/>
+    <dgm:txEffectClrLst/>
+  </dgm:styleLbl>
+  <dgm:styleLbl name="vennNode1">
+    <dgm:fillClrLst meth="repeat">
+      <a:schemeClr val="accent1">
+        <a:alpha val="50000"/>
+      </a:schemeClr>
+    </dgm:fillClrLst>
+    <dgm:linClrLst meth="repeat">
+      <a:schemeClr val="lt1"/>
+    </dgm:linClrLst>
+    <dgm:effectClrLst/>
+    <dgm:txLinClrLst/>
+    <dgm:txFillClrLst/>
+    <dgm:txEffectClrLst/>
+  </dgm:styleLbl>
+  <dgm:styleLbl name="node2">
+    <dgm:fillClrLst meth="repeat">
+      <a:schemeClr val="accent1"/>
+    </dgm:fillClrLst>
+    <dgm:linClrLst meth="repeat">
+      <a:schemeClr val="lt1"/>
+    </dgm:linClrLst>
+    <dgm:effectClrLst/>
+    <dgm:txLinClrLst/>
+    <dgm:txFillClrLst/>
+    <dgm:txEffectClrLst/>
+  </dgm:styleLbl>
+  <dgm:styleLbl name="node3">
+    <dgm:fillClrLst meth="repeat">
+      <a:schemeClr val="accent1"/>
+    </dgm:fillClrLst>
+    <dgm:linClrLst meth="repeat">
+      <a:schemeClr val="lt1"/>
+    </dgm:linClrLst>
+    <dgm:effectClrLst/>
+    <dgm:txLinClrLst/>
+    <dgm:txFillClrLst/>
+    <dgm:txEffectClrLst/>
+  </dgm:styleLbl>
+  <dgm:styleLbl name="node4">
+    <dgm:fillClrLst meth="repeat">
+      <a:schemeClr val="accent1"/>
+    </dgm:fillClrLst>
+    <dgm:linClrLst meth="repeat">
+      <a:schemeClr val="lt1"/>
+    </dgm:linClrLst>
+    <dgm:effectClrLst/>
+    <dgm:txLinClrLst/>
+    <dgm:txFillClrLst/>
+    <dgm:txEffectClrLst/>
+  </dgm:styleLbl>
+  <dgm:styleLbl name="fgImgPlace1">
+    <dgm:fillClrLst meth="repeat">
+      <a:schemeClr val="accent1">
+        <a:tint val="50000"/>
+      </a:schemeClr>
+    </dgm:fillClrLst>
+    <dgm:linClrLst meth="repeat">
+      <a:schemeClr val="lt1"/>
+    </dgm:linClrLst>
+    <dgm:effectClrLst/>
+    <dgm:txLinClrLst/>
+    <dgm:txFillClrLst meth="repeat">
+      <a:schemeClr val="lt1"/>
+    </dgm:txFillClrLst>
+    <dgm:txEffectClrLst/>
+  </dgm:styleLbl>
+  <dgm:styleLbl name="alignImgPlace1">
+    <dgm:fillClrLst meth="repeat">
+      <a:schemeClr val="accent1">
+        <a:tint val="50000"/>
+      </a:schemeClr>
+    </dgm:fillClrLst>
+    <dgm:linClrLst meth="repeat">
+      <a:schemeClr val="lt1"/>
+    </dgm:linClrLst>
+    <dgm:effectClrLst/>
+    <dgm:txLinClrLst/>
+    <dgm:txFillClrLst meth="repeat">
+      <a:schemeClr val="lt1"/>
+    </dgm:txFillClrLst>
+    <dgm:txEffectClrLst/>
+  </dgm:styleLbl>
+  <dgm:styleLbl name="bgImgPlace1">
+    <dgm:fillClrLst meth="repeat">
+      <a:schemeClr val="accent1">
+        <a:tint val="50000"/>
+      </a:schemeClr>
+    </dgm:fillClrLst>
+    <dgm:linClrLst meth="repeat">
+      <a:schemeClr val="lt1"/>
+    </dgm:linClrLst>
+    <dgm:effectClrLst/>
+    <dgm:txLinClrLst/>
+    <dgm:txFillClrLst meth="repeat">
+      <a:schemeClr val="lt1"/>
+    </dgm:txFillClrLst>
+    <dgm:txEffectClrLst/>
+  </dgm:styleLbl>
+  <dgm:styleLbl name="sibTrans2D1">
+    <dgm:fillClrLst meth="repeat">
+      <a:schemeClr val="accent1">
+        <a:tint val="60000"/>
+      </a:schemeClr>
+    </dgm:fillClrLst>
+    <dgm:linClrLst meth="repeat">
+      <a:schemeClr val="accent1">
+        <a:tint val="60000"/>
+      </a:schemeClr>
+    </dgm:linClrLst>
+    <dgm:effectClrLst/>
+    <dgm:txLinClrLst/>
+    <dgm:txFillClrLst/>
+    <dgm:txEffectClrLst/>
+  </dgm:styleLbl>
+  <dgm:styleLbl name="fgSibTrans2D1">
+    <dgm:fillClrLst meth="repeat">
+      <a:schemeClr val="accent1">
+        <a:tint val="60000"/>
+      </a:schemeClr>
+    </dgm:fillClrLst>
+    <dgm:linClrLst meth="repeat">
+      <a:schemeClr val="accent1">
+        <a:tint val="60000"/>
+      </a:schemeClr>
+    </dgm:linClrLst>
+    <dgm:effectClrLst/>
+    <dgm:txLinClrLst/>
+    <dgm:txFillClrLst/>
+    <dgm:txEffectClrLst/>
+  </dgm:styleLbl>
+  <dgm:styleLbl name="bgSibTrans2D1">
+    <dgm:fillClrLst meth="repeat">
+      <a:schemeClr val="accent1">
+        <a:tint val="60000"/>
+      </a:schemeClr>
+    </dgm:fillClrLst>
+    <dgm:linClrLst meth="repeat">
+      <a:schemeClr val="accent1">
+        <a:tint val="60000"/>
+      </a:schemeClr>
+    </dgm:linClrLst>
+    <dgm:effectClrLst/>
+    <dgm:txLinClrLst/>
+    <dgm:txFillClrLst/>
+    <dgm:txEffectClrLst/>
+  </dgm:styleLbl>
+  <dgm:styleLbl name="sibTrans1D1">
+    <dgm:fillClrLst meth="repeat">
+      <a:schemeClr val="accent1"/>
+    </dgm:fillClrLst>
+    <dgm:linClrLst meth="repeat">
+      <a:schemeClr val="accent1"/>
+    </dgm:linClrLst>
+    <dgm:effectClrLst/>
+    <dgm:txLinClrLst/>
+    <dgm:txFillClrLst meth="repeat">
+      <a:schemeClr val="tx1"/>
+    </dgm:txFillClrLst>
+    <dgm:txEffectClrLst/>
+  </dgm:styleLbl>
+  <dgm:styleLbl name="callout">
+    <dgm:fillClrLst meth="repeat">
+      <a:schemeClr val="accent1"/>
+    </dgm:fillClrLst>
+    <dgm:linClrLst meth="repeat">
+      <a:schemeClr val="accent1">
+        <a:tint val="50000"/>
+      </a:schemeClr>
+    </dgm:linClrLst>
+    <dgm:effectClrLst/>
+    <dgm:txLinClrLst/>
+    <dgm:txFillClrLst meth="repeat">
+      <a:schemeClr val="tx1"/>
+    </dgm:txFillClrLst>
+    <dgm:txEffectClrLst/>
+  </dgm:styleLbl>
+  <dgm:styleLbl name="asst0">
+    <dgm:fillClrLst meth="repeat">
+      <a:schemeClr val="accent1"/>
+    </dgm:fillClrLst>
+    <dgm:linClrLst meth="repeat">
+      <a:schemeClr val="lt1"/>
+    </dgm:linClrLst>
+    <dgm:effectClrLst/>
+    <dgm:txLinClrLst/>
+    <dgm:txFillClrLst/>
+    <dgm:txEffectClrLst/>
+  </dgm:styleLbl>
+  <dgm:styleLbl name="asst1">
+    <dgm:fillClrLst meth="repeat">
+      <a:schemeClr val="accent1"/>
+    </dgm:fillClrLst>
+    <dgm:linClrLst meth="repeat">
+      <a:schemeClr val="lt1"/>
+    </dgm:linClrLst>
+    <dgm:effectClrLst/>
+    <dgm:txLinClrLst/>
+    <dgm:txFillClrLst/>
+    <dgm:txEffectClrLst/>
+  </dgm:styleLbl>
+  <dgm:styleLbl name="asst2">
+    <dgm:fillClrLst meth="repeat">
+      <a:schemeClr val="accent1"/>
+    </dgm:fillClrLst>
+    <dgm:linClrLst meth="repeat">
+      <a:schemeClr val="lt1"/>
+    </dgm:linClrLst>
+    <dgm:effectClrLst/>
+    <dgm:txLinClrLst/>
+    <dgm:txFillClrLst/>
+    <dgm:txEffectClrLst/>
+  </dgm:styleLbl>
+  <dgm:styleLbl name="asst3">
+    <dgm:fillClrLst meth="repeat">
+      <a:schemeClr val="accent1"/>
+    </dgm:fillClrLst>
+    <dgm:linClrLst meth="repeat">
+      <a:schemeClr val="lt1"/>
+    </dgm:linClrLst>
+    <dgm:effectClrLst/>
+    <dgm:txLinClrLst/>
+    <dgm:txFillClrLst/>
+    <dgm:txEffectClrLst/>
+  </dgm:styleLbl>
+  <dgm:styleLbl name="asst4">
+    <dgm:fillClrLst meth="repeat">
+      <a:schemeClr val="accent1"/>
+    </dgm:fillClrLst>
+    <dgm:linClrLst meth="repeat">
+      <a:schemeClr val="lt1"/>
+    </dgm:linClrLst>
+    <dgm:effectClrLst/>
+    <dgm:txLinClrLst/>
+    <dgm:txFillClrLst/>
+    <dgm:txEffectClrLst/>
+  </dgm:styleLbl>
+  <dgm:styleLbl name="parChTrans2D1">
+    <dgm:fillClrLst meth="repeat">
+      <a:schemeClr val="accent1">
+        <a:tint val="60000"/>
+      </a:schemeClr>
+    </dgm:fillClrLst>
+    <dgm:linClrLst meth="repeat">
+      <a:schemeClr val="accent1">
+        <a:tint val="60000"/>
+      </a:schemeClr>
+    </dgm:linClrLst>
+    <dgm:effectClrLst/>
+    <dgm:txLinClrLst/>
+    <dgm:txFillClrLst meth="repeat">
+      <a:schemeClr val="lt1"/>
+    </dgm:txFillClrLst>
+    <dgm:txEffectClrLst/>
+  </dgm:styleLbl>
+  <dgm:styleLbl name="parChTrans2D2">
+    <dgm:fillClrLst meth="repeat">
+      <a:schemeClr val="accent1"/>
+    </dgm:fillClrLst>
+    <dgm:linClrLst meth="repeat">
+      <a:schemeClr val="accent1"/>
+    </dgm:linClrLst>
+    <dgm:effectClrLst/>
+    <dgm:txLinClrLst/>
+    <dgm:txFillClrLst meth="repeat">
+      <a:schemeClr val="lt1"/>
+    </dgm:txFillClrLst>
+    <dgm:txEffectClrLst/>
+  </dgm:styleLbl>
+  <dgm:styleLbl name="parChTrans2D3">
+    <dgm:fillClrLst meth="repeat">
+      <a:schemeClr val="accent1"/>
+    </dgm:fillClrLst>
+    <dgm:linClrLst meth="repeat">
+      <a:schemeClr val="accent1"/>
+    </dgm:linClrLst>
+    <dgm:effectClrLst/>
+    <dgm:txLinClrLst/>
+    <dgm:txFillClrLst meth="repeat">
+      <a:schemeClr val="lt1"/>
+    </dgm:txFillClrLst>
+    <dgm:txEffectClrLst/>
+  </dgm:styleLbl>
+  <dgm:styleLbl name="parChTrans2D4">
+    <dgm:fillClrLst meth="repeat">
+      <a:schemeClr val="accent1"/>
+    </dgm:fillClrLst>
+    <dgm:linClrLst meth="repeat">
+      <a:schemeClr val="accent1"/>
+    </dgm:linClrLst>
+    <dgm:effectClrLst/>
+    <dgm:txLinClrLst/>
+    <dgm:txFillClrLst meth="repeat">
+      <a:schemeClr val="lt1"/>
+    </dgm:txFillClrLst>
+    <dgm:txEffectClrLst/>
+  </dgm:styleLbl>
+  <dgm:styleLbl name="parChTrans1D1">
+    <dgm:fillClrLst meth="repeat">
+      <a:schemeClr val="accent1"/>
+    </dgm:fillClrLst>
+    <dgm:linClrLst meth="repeat">
+      <a:schemeClr val="accent1">
+        <a:shade val="60000"/>
+      </a:schemeClr>
+    </dgm:linClrLst>
+    <dgm:effectClrLst/>
+    <dgm:txLinClrLst/>
+    <dgm:txFillClrLst meth="repeat">
+      <a:schemeClr val="tx1"/>
+    </dgm:txFillClrLst>
+    <dgm:txEffectClrLst/>
+  </dgm:styleLbl>
+  <dgm:styleLbl name="parChTrans1D2">
+    <dgm:fillClrLst meth="repeat">
+      <a:schemeClr val="accent1"/>
+    </dgm:fillClrLst>
+    <dgm:linClrLst meth="repeat">
+      <a:schemeClr val="accent1">
+        <a:shade val="60000"/>
+      </a:schemeClr>
+    </dgm:linClrLst>
+    <dgm:effectClrLst/>
+    <dgm:txLinClrLst/>
+    <dgm:txFillClrLst meth="repeat">
+      <a:schemeClr val="tx1"/>
+    </dgm:txFillClrLst>
+    <dgm:txEffectClrLst/>
+  </dgm:styleLbl>
+  <dgm:styleLbl name="parChTrans1D3">
+    <dgm:fillClrLst meth="repeat">
+      <a:schemeClr val="accent1"/>
+    </dgm:fillClrLst>
+    <dgm:linClrLst meth="repeat">
+      <a:schemeClr val="accent1">
+        <a:shade val="80000"/>
+      </a:schemeClr>
+    </dgm:linClrLst>
+    <dgm:effectClrLst/>
+    <dgm:txLinClrLst/>
+    <dgm:txFillClrLst meth="repeat">
+      <a:schemeClr val="tx1"/>
+    </dgm:txFillClrLst>
+    <dgm:txEffectClrLst/>
+  </dgm:styleLbl>
+  <dgm:styleLbl name="parChTrans1D4">
+    <dgm:fillClrLst meth="repeat">
+      <a:schemeClr val="accent1"/>
+    </dgm:fillClrLst>
+    <dgm:linClrLst meth="repeat">
+      <a:schemeClr val="accent1">
+        <a:shade val="80000"/>
+      </a:schemeClr>
+    </dgm:linClrLst>
+    <dgm:effectClrLst/>
+    <dgm:txLinClrLst/>
+    <dgm:txFillClrLst meth="repeat">
+      <a:schemeClr val="tx1"/>
+    </dgm:txFillClrLst>
+    <dgm:txEffectClrLst/>
+  </dgm:styleLbl>
+  <dgm:styleLbl name="fgAcc1">
+    <dgm:fillClrLst meth="repeat">
+      <a:schemeClr val="lt1">
+        <a:alpha val="90000"/>
+      </a:schemeClr>
+    </dgm:fillClrLst>
+    <dgm:linClrLst meth="repeat">
+      <a:schemeClr val="accent1"/>
+    </dgm:linClrLst>
+    <dgm:effectClrLst/>
+    <dgm:txLinClrLst/>
+    <dgm:txFillClrLst meth="repeat">
+      <a:schemeClr val="dk1"/>
+    </dgm:txFillClrLst>
+    <dgm:txEffectClrLst/>
+  </dgm:styleLbl>
+  <dgm:styleLbl name="conFgAcc1">
+    <dgm:fillClrLst meth="repeat">
+      <a:schemeClr val="lt1">
+        <a:alpha val="90000"/>
+      </a:schemeClr>
+    </dgm:fillClrLst>
+    <dgm:linClrLst meth="repeat">
+      <a:schemeClr val="accent1"/>
+    </dgm:linClrLst>
+    <dgm:effectClrLst/>
+    <dgm:txLinClrLst/>
+    <dgm:txFillClrLst meth="repeat">
+      <a:schemeClr val="dk1"/>
+    </dgm:txFillClrLst>
+    <dgm:txEffectClrLst/>
+  </dgm:styleLbl>
+  <dgm:styleLbl name="alignAcc1">
+    <dgm:fillClrLst meth="repeat">
+      <a:schemeClr val="lt1">
+        <a:alpha val="90000"/>
+      </a:schemeClr>
+    </dgm:fillClrLst>
+    <dgm:linClrLst meth="repeat">
+      <a:schemeClr val="accent1"/>
+    </dgm:linClrLst>
+    <dgm:effectClrLst/>
+    <dgm:txLinClrLst/>
+    <dgm:txFillClrLst meth="repeat">
+      <a:schemeClr val="dk1"/>
+    </dgm:txFillClrLst>
+    <dgm:txEffectClrLst/>
+  </dgm:styleLbl>
+  <dgm:styleLbl name="trAlignAcc1">
+    <dgm:fillClrLst meth="repeat">
+      <a:schemeClr val="lt1">
+        <a:alpha val="40000"/>
+      </a:schemeClr>
+    </dgm:fillClrLst>
+    <dgm:linClrLst meth="repeat">
+      <a:schemeClr val="accent1"/>
+    </dgm:linClrLst>
+    <dgm:effectClrLst/>
+    <dgm:txLinClrLst/>
+    <dgm:txFillClrLst meth="repeat">
+      <a:schemeClr val="dk1"/>
+    </dgm:txFillClrLst>
+    <dgm:txEffectClrLst/>
+  </dgm:styleLbl>
+  <dgm:styleLbl name="bgAcc1">
+    <dgm:fillClrLst meth="repeat">
+      <a:schemeClr val="lt1">
+        <a:alpha val="90000"/>
+      </a:schemeClr>
+    </dgm:fillClrLst>
+    <dgm:linClrLst meth="repeat">
+      <a:schemeClr val="accent1"/>
+    </dgm:linClrLst>
+    <dgm:effectClrLst/>
+    <dgm:txLinClrLst/>
+    <dgm:txFillClrLst meth="repeat">
+      <a:schemeClr val="dk1"/>
+    </dgm:txFillClrLst>
+    <dgm:txEffectClrLst/>
+  </dgm:styleLbl>
+  <dgm:styleLbl name="solidFgAcc1">
+    <dgm:fillClrLst meth="repeat">
+      <a:schemeClr val="lt1"/>
+    </dgm:fillClrLst>
+    <dgm:linClrLst meth="repeat">
+      <a:schemeClr val="accent1"/>
+    </dgm:linClrLst>
+    <dgm:effectClrLst/>
+    <dgm:txLinClrLst/>
+    <dgm:txFillClrLst meth="repeat">
+      <a:schemeClr val="dk1"/>
+    </dgm:txFillClrLst>
+    <dgm:txEffectClrLst/>
+  </dgm:styleLbl>
+  <dgm:styleLbl name="solidAlignAcc1">
+    <dgm:fillClrLst meth="repeat">
+      <a:schemeClr val="lt1"/>
+    </dgm:fillClrLst>
+    <dgm:linClrLst meth="repeat">
+      <a:schemeClr val="accent1"/>
+    </dgm:linClrLst>
+    <dgm:effectClrLst/>
+    <dgm:txLinClrLst/>
+    <dgm:txFillClrLst meth="repeat">
+      <a:schemeClr val="dk1"/>
+    </dgm:txFillClrLst>
+    <dgm:txEffectClrLst/>
+  </dgm:styleLbl>
+  <dgm:styleLbl name="solidBgAcc1">
+    <dgm:fillClrLst meth="repeat">
+      <a:schemeClr val="lt1"/>
+    </dgm:fillClrLst>
+    <dgm:linClrLst meth="repeat">
+      <a:schemeClr val="accent1"/>
+    </dgm:linClrLst>
+    <dgm:effectClrLst/>
+    <dgm:txLinClrLst/>
+    <dgm:txFillClrLst meth="repeat">
+      <a:schemeClr val="dk1"/>
+    </dgm:txFillClrLst>
+    <dgm:txEffectClrLst/>
+  </dgm:styleLbl>
+  <dgm:styleLbl name="fgAccFollowNode1">
+    <dgm:fillClrLst meth="repeat">
+      <a:schemeClr val="accent1">
+        <a:alpha val="90000"/>
+        <a:tint val="40000"/>
+      </a:schemeClr>
+    </dgm:fillClrLst>
+    <dgm:linClrLst meth="repeat">
+      <a:schemeClr val="accent1">
+        <a:alpha val="90000"/>
+        <a:tint val="40000"/>
+      </a:schemeClr>
+    </dgm:linClrLst>
+    <dgm:effectClrLst/>
+    <dgm:txLinClrLst/>
+    <dgm:txFillClrLst meth="repeat">
+      <a:schemeClr val="dk1"/>
+    </dgm:txFillClrLst>
+    <dgm:txEffectClrLst/>
+  </dgm:styleLbl>
+  <dgm:styleLbl name="alignAccFollowNode1">
+    <dgm:fillClrLst meth="repeat">
+      <a:schemeClr val="accent1">
+        <a:alpha val="90000"/>
+        <a:tint val="40000"/>
+      </a:schemeClr>
+    </dgm:fillClrLst>
+    <dgm:linClrLst meth="repeat">
+      <a:schemeClr val="accent1">
+        <a:alpha val="90000"/>
+        <a:tint val="40000"/>
+      </a:schemeClr>
+    </dgm:linClrLst>
+    <dgm:effectClrLst/>
+    <dgm:txLinClrLst/>
+    <dgm:txFillClrLst meth="repeat">
+      <a:schemeClr val="dk1"/>
+    </dgm:txFillClrLst>
+    <dgm:txEffectClrLst/>
+  </dgm:styleLbl>
+  <dgm:styleLbl name="bgAccFollowNode1">
+    <dgm:fillClrLst meth="repeat">
+      <a:schemeClr val="accent1">
+        <a:alpha val="90000"/>
+        <a:tint val="40000"/>
+      </a:schemeClr>
+    </dgm:fillClrLst>
+    <dgm:linClrLst meth="repeat">
+      <a:schemeClr val="accent1">
+        <a:alpha val="90000"/>
+        <a:tint val="40000"/>
+      </a:schemeClr>
+    </dgm:linClrLst>
+    <dgm:effectClrLst/>
+    <dgm:txLinClrLst/>
+    <dgm:txFillClrLst meth="repeat">
+      <a:schemeClr val="dk1"/>
+    </dgm:txFillClrLst>
+    <dgm:txEffectClrLst/>
+  </dgm:styleLbl>
+  <dgm:styleLbl name="fgAcc0">
+    <dgm:fillClrLst meth="repeat">
+      <a:schemeClr val="lt1">
+        <a:alpha val="90000"/>
+      </a:schemeClr>
+    </dgm:fillClrLst>
+    <dgm:linClrLst meth="repeat">
+      <a:schemeClr val="accent1"/>
+    </dgm:linClrLst>
+    <dgm:effectClrLst/>
+    <dgm:txLinClrLst/>
+    <dgm:txFillClrLst meth="repeat">
+      <a:schemeClr val="dk1"/>
+    </dgm:txFillClrLst>
+    <dgm:txEffectClrLst/>
+  </dgm:styleLbl>
+  <dgm:styleLbl name="fgAcc2">
+    <dgm:fillClrLst meth="repeat">
+      <a:schemeClr val="lt1">
+        <a:alpha val="90000"/>
+      </a:schemeClr>
+    </dgm:fillClrLst>
+    <dgm:linClrLst meth="repeat">
+      <a:schemeClr val="accent1"/>
+    </dgm:linClrLst>
+    <dgm:effectClrLst/>
+    <dgm:txLinClrLst/>
+    <dgm:txFillClrLst meth="repeat">
+      <a:schemeClr val="dk1"/>
+    </dgm:txFillClrLst>
+    <dgm:txEffectClrLst/>
+  </dgm:styleLbl>
+  <dgm:styleLbl name="fgAcc3">
+    <dgm:fillClrLst meth="repeat">
+      <a:schemeClr val="lt1">
+        <a:alpha val="90000"/>
+      </a:schemeClr>
+    </dgm:fillClrLst>
+    <dgm:linClrLst meth="repeat">
+      <a:schemeClr val="accent1"/>
+    </dgm:linClrLst>
+    <dgm:effectClrLst/>
+    <dgm:txLinClrLst/>
+    <dgm:txFillClrLst meth="repeat">
+      <a:schemeClr val="dk1"/>
+    </dgm:txFillClrLst>
+    <dgm:txEffectClrLst/>
+  </dgm:styleLbl>
+  <dgm:styleLbl name="fgAcc4">
+    <dgm:fillClrLst meth="repeat">
+      <a:schemeClr val="lt1">
+        <a:alpha val="90000"/>
+      </a:schemeClr>
+    </dgm:fillClrLst>
+    <dgm:linClrLst meth="repeat">
+      <a:schemeClr val="accent1"/>
+    </dgm:linClrLst>
+    <dgm:effectClrLst/>
+    <dgm:txLinClrLst/>
+    <dgm:txFillClrLst meth="repeat">
+      <a:schemeClr val="dk1"/>
+    </dgm:txFillClrLst>
+    <dgm:txEffectClrLst/>
+  </dgm:styleLbl>
+  <dgm:styleLbl name="bgShp">
+    <dgm:fillClrLst meth="repeat">
+      <a:schemeClr val="accent1">
+        <a:tint val="40000"/>
+      </a:schemeClr>
+    </dgm:fillClrLst>
+    <dgm:linClrLst meth="repeat">
+      <a:schemeClr val="accent1"/>
+    </dgm:linClrLst>
+    <dgm:effectClrLst/>
+    <dgm:txLinClrLst/>
+    <dgm:txFillClrLst meth="repeat">
+      <a:schemeClr val="dk1"/>
+    </dgm:txFillClrLst>
+    <dgm:txEffectClrLst/>
+  </dgm:styleLbl>
+  <dgm:styleLbl name="dkBgShp">
+    <dgm:fillClrLst meth="repeat">
+      <a:schemeClr val="accent1">
+        <a:shade val="80000"/>
+      </a:schemeClr>
+    </dgm:fillClrLst>
+    <dgm:linClrLst meth="repeat">
+      <a:schemeClr val="accent1"/>
+    </dgm:linClrLst>
+    <dgm:effectClrLst/>
+    <dgm:txLinClrLst/>
+    <dgm:txFillClrLst meth="repeat">
+      <a:schemeClr val="lt1"/>
+    </dgm:txFillClrLst>
+    <dgm:txEffectClrLst/>
+  </dgm:styleLbl>
+  <dgm:styleLbl name="trBgShp">
+    <dgm:fillClrLst meth="repeat">
+      <a:schemeClr val="accent1">
+        <a:tint val="50000"/>
+        <a:alpha val="40000"/>
+      </a:schemeClr>
+    </dgm:fillClrLst>
+    <dgm:linClrLst meth="repeat">
+      <a:schemeClr val="accent1"/>
+    </dgm:linClrLst>
+    <dgm:effectClrLst/>
+    <dgm:txLinClrLst/>
+    <dgm:txFillClrLst meth="repeat">
+      <a:schemeClr val="lt1"/>
+    </dgm:txFillClrLst>
+    <dgm:txEffectClrLst/>
+  </dgm:styleLbl>
+  <dgm:styleLbl name="fgShp">
+    <dgm:fillClrLst meth="repeat">
+      <a:schemeClr val="accent1">
+        <a:tint val="60000"/>
+      </a:schemeClr>
+    </dgm:fillClrLst>
+    <dgm:linClrLst meth="repeat">
+      <a:schemeClr val="lt1"/>
+    </dgm:linClrLst>
+    <dgm:effectClrLst/>
+    <dgm:txLinClrLst/>
+    <dgm:txFillClrLst meth="repeat">
+      <a:schemeClr val="dk1"/>
+    </dgm:txFillClrLst>
+    <dgm:txEffectClrLst/>
+  </dgm:styleLbl>
+  <dgm:styleLbl name="revTx">
+    <dgm:fillClrLst meth="repeat">
+      <a:schemeClr val="lt1">
+        <a:alpha val="0"/>
+      </a:schemeClr>
+    </dgm:fillClrLst>
+    <dgm:linClrLst meth="repeat">
+      <a:schemeClr val="dk1">
+        <a:alpha val="0"/>
+      </a:schemeClr>
+    </dgm:linClrLst>
+    <dgm:effectClrLst/>
+    <dgm:txLinClrLst/>
+    <dgm:txFillClrLst meth="repeat">
+      <a:schemeClr val="tx1"/>
+    </dgm:txFillClrLst>
+    <dgm:txEffectClrLst/>
+  </dgm:styleLbl>
+</dgm:colorsDef>
+</file>
+
+<file path=ppt/diagrams/data1.xml><?xml version="1.0" encoding="utf-8"?>
+<dgm:dataModel xmlns:dgm="http://schemas.openxmlformats.org/drawingml/2006/diagram" xmlns:a="http://schemas.openxmlformats.org/drawingml/2006/main">
+  <dgm:ptLst>
+    <dgm:pt modelId="{19501ACA-A44C-4C6B-B33C-005DCA791162}" type="doc">
+      <dgm:prSet loTypeId="urn:microsoft.com/office/officeart/2005/8/layout/hProcess11" loCatId="process" qsTypeId="urn:microsoft.com/office/officeart/2005/8/quickstyle/simple1" qsCatId="simple" csTypeId="urn:microsoft.com/office/officeart/2005/8/colors/accent1_2" csCatId="accent1" phldr="1"/>
+      <dgm:spPr/>
+    </dgm:pt>
+    <dgm:pt modelId="{4893E28C-D6DB-40AF-A463-14B81006C444}">
+      <dgm:prSet phldrT="[Text]"/>
+      <dgm:spPr/>
+      <dgm:t>
+        <a:bodyPr/>
+        <a:lstStyle/>
+        <a:p>
+          <a:r>
+            <a:rPr lang="sv-SE" dirty="0"/>
+            <a:t>2022/10/03 Project initiation</a:t>
+          </a:r>
+        </a:p>
+      </dgm:t>
+    </dgm:pt>
+    <dgm:pt modelId="{DAB4A41D-3C9A-45E1-B589-DAE34B1A8DF4}" type="parTrans" cxnId="{600EFAAE-5B8F-43C1-8ADB-780E16AC7EE6}">
+      <dgm:prSet/>
+      <dgm:spPr/>
+      <dgm:t>
+        <a:bodyPr/>
+        <a:lstStyle/>
+        <a:p>
+          <a:endParaRPr lang="sv-SE"/>
+        </a:p>
+      </dgm:t>
+    </dgm:pt>
+    <dgm:pt modelId="{5A09470E-B913-4A67-8FE0-FDEF130E0D43}" type="sibTrans" cxnId="{600EFAAE-5B8F-43C1-8ADB-780E16AC7EE6}">
+      <dgm:prSet/>
+      <dgm:spPr/>
+      <dgm:t>
+        <a:bodyPr/>
+        <a:lstStyle/>
+        <a:p>
+          <a:endParaRPr lang="sv-SE"/>
+        </a:p>
+      </dgm:t>
+    </dgm:pt>
+    <dgm:pt modelId="{8393DEA7-656F-405C-9272-567D8B4474AC}">
+      <dgm:prSet phldrT="[Text]"/>
+      <dgm:spPr/>
+      <dgm:t>
+        <a:bodyPr/>
+        <a:lstStyle/>
+        <a:p>
+          <a:r>
+            <a:rPr lang="sv-SE" dirty="0"/>
+            <a:t>2022/10/26 End </a:t>
+          </a:r>
+          <a:r>
+            <a:rPr lang="sv-SE" dirty="0" err="1"/>
+            <a:t>of</a:t>
+          </a:r>
+          <a:r>
+            <a:rPr lang="sv-SE" dirty="0"/>
+            <a:t> </a:t>
+          </a:r>
+          <a:r>
+            <a:rPr lang="sv-SE" dirty="0" err="1"/>
+            <a:t>development</a:t>
+          </a:r>
+          <a:r>
+            <a:rPr lang="sv-SE" dirty="0"/>
+            <a:t> </a:t>
+          </a:r>
+          <a:r>
+            <a:rPr lang="sv-SE" dirty="0" err="1"/>
+            <a:t>proccess</a:t>
+          </a:r>
+          <a:endParaRPr lang="sv-SE" dirty="0"/>
+        </a:p>
+      </dgm:t>
+    </dgm:pt>
+    <dgm:pt modelId="{6BD855F7-476A-4BC2-BFCF-98C1C565B8FE}" type="parTrans" cxnId="{FB0FB737-F073-4E05-829F-12B8A753F6B4}">
+      <dgm:prSet/>
+      <dgm:spPr/>
+      <dgm:t>
+        <a:bodyPr/>
+        <a:lstStyle/>
+        <a:p>
+          <a:endParaRPr lang="sv-SE"/>
+        </a:p>
+      </dgm:t>
+    </dgm:pt>
+    <dgm:pt modelId="{AE6C7A5D-A785-4922-86F6-DD7E968B644F}" type="sibTrans" cxnId="{FB0FB737-F073-4E05-829F-12B8A753F6B4}">
+      <dgm:prSet/>
+      <dgm:spPr/>
+      <dgm:t>
+        <a:bodyPr/>
+        <a:lstStyle/>
+        <a:p>
+          <a:endParaRPr lang="sv-SE"/>
+        </a:p>
+      </dgm:t>
+    </dgm:pt>
+    <dgm:pt modelId="{CBEEA164-2386-4A24-876B-8C54B8B261C9}">
+      <dgm:prSet phldrT="[Text]"/>
+      <dgm:spPr/>
+      <dgm:t>
+        <a:bodyPr/>
+        <a:lstStyle/>
+        <a:p>
+          <a:r>
+            <a:rPr lang="sv-SE" dirty="0"/>
+            <a:t>2022/11/02 Project end </a:t>
+          </a:r>
+        </a:p>
+      </dgm:t>
+    </dgm:pt>
+    <dgm:pt modelId="{5B2D1C67-7B0F-470B-9DDF-E156AD1693A2}" type="parTrans" cxnId="{35D892F6-8FEA-4F77-BEB4-47EA0D73D066}">
+      <dgm:prSet/>
+      <dgm:spPr/>
+      <dgm:t>
+        <a:bodyPr/>
+        <a:lstStyle/>
+        <a:p>
+          <a:endParaRPr lang="sv-SE"/>
+        </a:p>
+      </dgm:t>
+    </dgm:pt>
+    <dgm:pt modelId="{BCF2B513-3EEC-4E38-9FD0-C657EEEA382C}" type="sibTrans" cxnId="{35D892F6-8FEA-4F77-BEB4-47EA0D73D066}">
+      <dgm:prSet/>
+      <dgm:spPr/>
+      <dgm:t>
+        <a:bodyPr/>
+        <a:lstStyle/>
+        <a:p>
+          <a:endParaRPr lang="sv-SE"/>
+        </a:p>
+      </dgm:t>
+    </dgm:pt>
+    <dgm:pt modelId="{3D8FA3B2-9DA4-441C-B30E-B8D3C5F5F176}" type="pres">
+      <dgm:prSet presAssocID="{19501ACA-A44C-4C6B-B33C-005DCA791162}" presName="Name0" presStyleCnt="0">
+        <dgm:presLayoutVars>
+          <dgm:dir/>
+          <dgm:resizeHandles val="exact"/>
+        </dgm:presLayoutVars>
+      </dgm:prSet>
+      <dgm:spPr/>
+    </dgm:pt>
+    <dgm:pt modelId="{E37C0332-0853-4970-AA00-50D65FDFDEB0}" type="pres">
+      <dgm:prSet presAssocID="{19501ACA-A44C-4C6B-B33C-005DCA791162}" presName="arrow" presStyleLbl="bgShp" presStyleIdx="0" presStyleCnt="1"/>
+      <dgm:spPr/>
+    </dgm:pt>
+    <dgm:pt modelId="{643E4497-022D-43CD-8816-749E9F99F861}" type="pres">
+      <dgm:prSet presAssocID="{19501ACA-A44C-4C6B-B33C-005DCA791162}" presName="points" presStyleCnt="0"/>
+      <dgm:spPr/>
+    </dgm:pt>
+    <dgm:pt modelId="{784883F6-BA45-46EA-B610-B4E5CC614161}" type="pres">
+      <dgm:prSet presAssocID="{4893E28C-D6DB-40AF-A463-14B81006C444}" presName="compositeA" presStyleCnt="0"/>
+      <dgm:spPr/>
+    </dgm:pt>
+    <dgm:pt modelId="{23EC4FCD-A5C8-49DE-80B2-39C3B61554B3}" type="pres">
+      <dgm:prSet presAssocID="{4893E28C-D6DB-40AF-A463-14B81006C444}" presName="textA" presStyleLbl="revTx" presStyleIdx="0" presStyleCnt="3">
+        <dgm:presLayoutVars>
+          <dgm:bulletEnabled val="1"/>
+        </dgm:presLayoutVars>
+      </dgm:prSet>
+      <dgm:spPr/>
+    </dgm:pt>
+    <dgm:pt modelId="{87420346-E72F-4DEA-A6F7-8F898120FA8A}" type="pres">
+      <dgm:prSet presAssocID="{4893E28C-D6DB-40AF-A463-14B81006C444}" presName="circleA" presStyleLbl="node1" presStyleIdx="0" presStyleCnt="3"/>
+      <dgm:spPr/>
+    </dgm:pt>
+    <dgm:pt modelId="{1E646304-6FDB-4258-A76A-7070C8624324}" type="pres">
+      <dgm:prSet presAssocID="{4893E28C-D6DB-40AF-A463-14B81006C444}" presName="spaceA" presStyleCnt="0"/>
+      <dgm:spPr/>
+    </dgm:pt>
+    <dgm:pt modelId="{4EBBFCF3-F4F7-499C-8CF8-5AA71383B973}" type="pres">
+      <dgm:prSet presAssocID="{5A09470E-B913-4A67-8FE0-FDEF130E0D43}" presName="space" presStyleCnt="0"/>
+      <dgm:spPr/>
+    </dgm:pt>
+    <dgm:pt modelId="{9CE25BDD-DEF2-4660-8CC0-9E77FBF4AAF4}" type="pres">
+      <dgm:prSet presAssocID="{8393DEA7-656F-405C-9272-567D8B4474AC}" presName="compositeB" presStyleCnt="0"/>
+      <dgm:spPr/>
+    </dgm:pt>
+    <dgm:pt modelId="{1600688E-A3DF-49B5-A46B-9E8887FA138A}" type="pres">
+      <dgm:prSet presAssocID="{8393DEA7-656F-405C-9272-567D8B4474AC}" presName="textB" presStyleLbl="revTx" presStyleIdx="1" presStyleCnt="3">
+        <dgm:presLayoutVars>
+          <dgm:bulletEnabled val="1"/>
+        </dgm:presLayoutVars>
+      </dgm:prSet>
+      <dgm:spPr/>
+    </dgm:pt>
+    <dgm:pt modelId="{9A475C73-5725-4D57-85AB-E968D2643552}" type="pres">
+      <dgm:prSet presAssocID="{8393DEA7-656F-405C-9272-567D8B4474AC}" presName="circleB" presStyleLbl="node1" presStyleIdx="1" presStyleCnt="3"/>
+      <dgm:spPr/>
+    </dgm:pt>
+    <dgm:pt modelId="{D76AA908-B87E-4887-8764-7B5BDA42A899}" type="pres">
+      <dgm:prSet presAssocID="{8393DEA7-656F-405C-9272-567D8B4474AC}" presName="spaceB" presStyleCnt="0"/>
+      <dgm:spPr/>
+    </dgm:pt>
+    <dgm:pt modelId="{C38D7FBC-E5FC-4DCD-AC3B-D29220369296}" type="pres">
+      <dgm:prSet presAssocID="{AE6C7A5D-A785-4922-86F6-DD7E968B644F}" presName="space" presStyleCnt="0"/>
+      <dgm:spPr/>
+    </dgm:pt>
+    <dgm:pt modelId="{74017DC7-126B-4DC1-8D06-5CC143EC4B2B}" type="pres">
+      <dgm:prSet presAssocID="{CBEEA164-2386-4A24-876B-8C54B8B261C9}" presName="compositeA" presStyleCnt="0"/>
+      <dgm:spPr/>
+    </dgm:pt>
+    <dgm:pt modelId="{952803FC-4814-48F7-BF3F-A4C0B716A1A6}" type="pres">
+      <dgm:prSet presAssocID="{CBEEA164-2386-4A24-876B-8C54B8B261C9}" presName="textA" presStyleLbl="revTx" presStyleIdx="2" presStyleCnt="3">
+        <dgm:presLayoutVars>
+          <dgm:bulletEnabled val="1"/>
+        </dgm:presLayoutVars>
+      </dgm:prSet>
+      <dgm:spPr/>
+    </dgm:pt>
+    <dgm:pt modelId="{A429610C-BB35-4EED-8940-428FD4EC8E95}" type="pres">
+      <dgm:prSet presAssocID="{CBEEA164-2386-4A24-876B-8C54B8B261C9}" presName="circleA" presStyleLbl="node1" presStyleIdx="2" presStyleCnt="3"/>
+      <dgm:spPr/>
+    </dgm:pt>
+    <dgm:pt modelId="{740F214E-3F6E-4117-B385-46BD72F4AE12}" type="pres">
+      <dgm:prSet presAssocID="{CBEEA164-2386-4A24-876B-8C54B8B261C9}" presName="spaceA" presStyleCnt="0"/>
+      <dgm:spPr/>
+    </dgm:pt>
+  </dgm:ptLst>
+  <dgm:cxnLst>
+    <dgm:cxn modelId="{BDE9740A-D129-4686-966E-A12AE2500B90}" type="presOf" srcId="{4893E28C-D6DB-40AF-A463-14B81006C444}" destId="{23EC4FCD-A5C8-49DE-80B2-39C3B61554B3}" srcOrd="0" destOrd="0" presId="urn:microsoft.com/office/officeart/2005/8/layout/hProcess11"/>
+    <dgm:cxn modelId="{FB0FB737-F073-4E05-829F-12B8A753F6B4}" srcId="{19501ACA-A44C-4C6B-B33C-005DCA791162}" destId="{8393DEA7-656F-405C-9272-567D8B4474AC}" srcOrd="1" destOrd="0" parTransId="{6BD855F7-476A-4BC2-BFCF-98C1C565B8FE}" sibTransId="{AE6C7A5D-A785-4922-86F6-DD7E968B644F}"/>
+    <dgm:cxn modelId="{C96B209F-9E56-4D4F-A06C-A88089139F20}" type="presOf" srcId="{8393DEA7-656F-405C-9272-567D8B4474AC}" destId="{1600688E-A3DF-49B5-A46B-9E8887FA138A}" srcOrd="0" destOrd="0" presId="urn:microsoft.com/office/officeart/2005/8/layout/hProcess11"/>
+    <dgm:cxn modelId="{600EFAAE-5B8F-43C1-8ADB-780E16AC7EE6}" srcId="{19501ACA-A44C-4C6B-B33C-005DCA791162}" destId="{4893E28C-D6DB-40AF-A463-14B81006C444}" srcOrd="0" destOrd="0" parTransId="{DAB4A41D-3C9A-45E1-B589-DAE34B1A8DF4}" sibTransId="{5A09470E-B913-4A67-8FE0-FDEF130E0D43}"/>
+    <dgm:cxn modelId="{122DC1B3-8C6A-45C3-8624-C3D52C67D020}" type="presOf" srcId="{19501ACA-A44C-4C6B-B33C-005DCA791162}" destId="{3D8FA3B2-9DA4-441C-B30E-B8D3C5F5F176}" srcOrd="0" destOrd="0" presId="urn:microsoft.com/office/officeart/2005/8/layout/hProcess11"/>
+    <dgm:cxn modelId="{26A8A3B6-48E0-40D2-9CB8-4BB8483FDC62}" type="presOf" srcId="{CBEEA164-2386-4A24-876B-8C54B8B261C9}" destId="{952803FC-4814-48F7-BF3F-A4C0B716A1A6}" srcOrd="0" destOrd="0" presId="urn:microsoft.com/office/officeart/2005/8/layout/hProcess11"/>
+    <dgm:cxn modelId="{35D892F6-8FEA-4F77-BEB4-47EA0D73D066}" srcId="{19501ACA-A44C-4C6B-B33C-005DCA791162}" destId="{CBEEA164-2386-4A24-876B-8C54B8B261C9}" srcOrd="2" destOrd="0" parTransId="{5B2D1C67-7B0F-470B-9DDF-E156AD1693A2}" sibTransId="{BCF2B513-3EEC-4E38-9FD0-C657EEEA382C}"/>
+    <dgm:cxn modelId="{53B952AD-CAB6-4751-9F48-B5E5E1956AD7}" type="presParOf" srcId="{3D8FA3B2-9DA4-441C-B30E-B8D3C5F5F176}" destId="{E37C0332-0853-4970-AA00-50D65FDFDEB0}" srcOrd="0" destOrd="0" presId="urn:microsoft.com/office/officeart/2005/8/layout/hProcess11"/>
+    <dgm:cxn modelId="{28098D37-0AB8-4FA8-A237-FCD627A10FEE}" type="presParOf" srcId="{3D8FA3B2-9DA4-441C-B30E-B8D3C5F5F176}" destId="{643E4497-022D-43CD-8816-749E9F99F861}" srcOrd="1" destOrd="0" presId="urn:microsoft.com/office/officeart/2005/8/layout/hProcess11"/>
+    <dgm:cxn modelId="{F7EF8CCF-8400-4E32-AF1E-ABB3E847345E}" type="presParOf" srcId="{643E4497-022D-43CD-8816-749E9F99F861}" destId="{784883F6-BA45-46EA-B610-B4E5CC614161}" srcOrd="0" destOrd="0" presId="urn:microsoft.com/office/officeart/2005/8/layout/hProcess11"/>
+    <dgm:cxn modelId="{288479AD-84EB-4EB1-8569-75BAB7AFB48B}" type="presParOf" srcId="{784883F6-BA45-46EA-B610-B4E5CC614161}" destId="{23EC4FCD-A5C8-49DE-80B2-39C3B61554B3}" srcOrd="0" destOrd="0" presId="urn:microsoft.com/office/officeart/2005/8/layout/hProcess11"/>
+    <dgm:cxn modelId="{A3CA0A8C-312C-461D-B570-2B25FC555BCD}" type="presParOf" srcId="{784883F6-BA45-46EA-B610-B4E5CC614161}" destId="{87420346-E72F-4DEA-A6F7-8F898120FA8A}" srcOrd="1" destOrd="0" presId="urn:microsoft.com/office/officeart/2005/8/layout/hProcess11"/>
+    <dgm:cxn modelId="{F9366119-1C9C-4F87-A3CA-152E5AD41121}" type="presParOf" srcId="{784883F6-BA45-46EA-B610-B4E5CC614161}" destId="{1E646304-6FDB-4258-A76A-7070C8624324}" srcOrd="2" destOrd="0" presId="urn:microsoft.com/office/officeart/2005/8/layout/hProcess11"/>
+    <dgm:cxn modelId="{E5DA1A90-C63C-454C-B75E-C8222053FFBA}" type="presParOf" srcId="{643E4497-022D-43CD-8816-749E9F99F861}" destId="{4EBBFCF3-F4F7-499C-8CF8-5AA71383B973}" srcOrd="1" destOrd="0" presId="urn:microsoft.com/office/officeart/2005/8/layout/hProcess11"/>
+    <dgm:cxn modelId="{0630A680-1E62-4669-9451-8DBBE718638C}" type="presParOf" srcId="{643E4497-022D-43CD-8816-749E9F99F861}" destId="{9CE25BDD-DEF2-4660-8CC0-9E77FBF4AAF4}" srcOrd="2" destOrd="0" presId="urn:microsoft.com/office/officeart/2005/8/layout/hProcess11"/>
+    <dgm:cxn modelId="{0C618DF6-3C19-4192-82DC-B4B64B10DD0B}" type="presParOf" srcId="{9CE25BDD-DEF2-4660-8CC0-9E77FBF4AAF4}" destId="{1600688E-A3DF-49B5-A46B-9E8887FA138A}" srcOrd="0" destOrd="0" presId="urn:microsoft.com/office/officeart/2005/8/layout/hProcess11"/>
+    <dgm:cxn modelId="{48FE87C3-8B0C-4C13-BC6A-39510C2E0C35}" type="presParOf" srcId="{9CE25BDD-DEF2-4660-8CC0-9E77FBF4AAF4}" destId="{9A475C73-5725-4D57-85AB-E968D2643552}" srcOrd="1" destOrd="0" presId="urn:microsoft.com/office/officeart/2005/8/layout/hProcess11"/>
+    <dgm:cxn modelId="{992FAEDE-40D5-42FF-B2D5-0EC3C943BC52}" type="presParOf" srcId="{9CE25BDD-DEF2-4660-8CC0-9E77FBF4AAF4}" destId="{D76AA908-B87E-4887-8764-7B5BDA42A899}" srcOrd="2" destOrd="0" presId="urn:microsoft.com/office/officeart/2005/8/layout/hProcess11"/>
+    <dgm:cxn modelId="{68F9D841-ADB5-4BFF-9BB1-77E87B24F2AC}" type="presParOf" srcId="{643E4497-022D-43CD-8816-749E9F99F861}" destId="{C38D7FBC-E5FC-4DCD-AC3B-D29220369296}" srcOrd="3" destOrd="0" presId="urn:microsoft.com/office/officeart/2005/8/layout/hProcess11"/>
+    <dgm:cxn modelId="{8FFFDC57-2D58-4CC8-927F-47108C17BC73}" type="presParOf" srcId="{643E4497-022D-43CD-8816-749E9F99F861}" destId="{74017DC7-126B-4DC1-8D06-5CC143EC4B2B}" srcOrd="4" destOrd="0" presId="urn:microsoft.com/office/officeart/2005/8/layout/hProcess11"/>
+    <dgm:cxn modelId="{99A441BB-7380-454F-AEF5-F8C144878A18}" type="presParOf" srcId="{74017DC7-126B-4DC1-8D06-5CC143EC4B2B}" destId="{952803FC-4814-48F7-BF3F-A4C0B716A1A6}" srcOrd="0" destOrd="0" presId="urn:microsoft.com/office/officeart/2005/8/layout/hProcess11"/>
+    <dgm:cxn modelId="{FF8B85D9-F138-456D-A2A0-D34A412F4A25}" type="presParOf" srcId="{74017DC7-126B-4DC1-8D06-5CC143EC4B2B}" destId="{A429610C-BB35-4EED-8940-428FD4EC8E95}" srcOrd="1" destOrd="0" presId="urn:microsoft.com/office/officeart/2005/8/layout/hProcess11"/>
+    <dgm:cxn modelId="{B87AC8E3-2B88-427C-BFE5-6237F960457E}" type="presParOf" srcId="{74017DC7-126B-4DC1-8D06-5CC143EC4B2B}" destId="{740F214E-3F6E-4117-B385-46BD72F4AE12}" srcOrd="2" destOrd="0" presId="urn:microsoft.com/office/officeart/2005/8/layout/hProcess11"/>
+  </dgm:cxnLst>
+  <dgm:bg/>
+  <dgm:whole/>
+  <dgm:extLst>
+    <a:ext uri="http://schemas.microsoft.com/office/drawing/2008/diagram">
+      <dsp:dataModelExt xmlns:dsp="http://schemas.microsoft.com/office/drawing/2008/diagram" relId="rId6" minVer="http://schemas.openxmlformats.org/drawingml/2006/diagram"/>
+    </a:ext>
+  </dgm:extLst>
+</dgm:dataModel>
+</file>
+
+<file path=ppt/diagrams/drawing1.xml><?xml version="1.0" encoding="utf-8"?>
+<dsp:drawing xmlns:dgm="http://schemas.openxmlformats.org/drawingml/2006/diagram" xmlns:dsp="http://schemas.microsoft.com/office/drawing/2008/diagram" xmlns:a="http://schemas.openxmlformats.org/drawingml/2006/main">
+  <dsp:spTree>
+    <dsp:nvGrpSpPr>
+      <dsp:cNvPr id="0" name=""/>
+      <dsp:cNvGrpSpPr/>
+    </dsp:nvGrpSpPr>
+    <dsp:grpSpPr/>
+    <dsp:sp modelId="{E37C0332-0853-4970-AA00-50D65FDFDEB0}">
+      <dsp:nvSpPr>
+        <dsp:cNvPr id="0" name=""/>
+        <dsp:cNvSpPr/>
+      </dsp:nvSpPr>
+      <dsp:spPr>
+        <a:xfrm>
+          <a:off x="0" y="1305401"/>
+          <a:ext cx="10515600" cy="1740535"/>
+        </a:xfrm>
+        <a:prstGeom prst="notchedRightArrow">
+          <a:avLst/>
+        </a:prstGeom>
+        <a:solidFill>
+          <a:schemeClr val="accent1">
+            <a:tint val="40000"/>
+            <a:hueOff val="0"/>
+            <a:satOff val="0"/>
+            <a:lumOff val="0"/>
+            <a:alphaOff val="0"/>
+          </a:schemeClr>
+        </a:solidFill>
+        <a:ln>
+          <a:noFill/>
+        </a:ln>
+        <a:effectLst/>
+      </dsp:spPr>
+      <dsp:style>
+        <a:lnRef idx="0">
+          <a:scrgbClr r="0" g="0" b="0"/>
+        </a:lnRef>
+        <a:fillRef idx="1">
+          <a:scrgbClr r="0" g="0" b="0"/>
+        </a:fillRef>
+        <a:effectRef idx="0">
+          <a:scrgbClr r="0" g="0" b="0"/>
+        </a:effectRef>
+        <a:fontRef idx="minor"/>
+      </dsp:style>
+    </dsp:sp>
+    <dsp:sp modelId="{23EC4FCD-A5C8-49DE-80B2-39C3B61554B3}">
+      <dsp:nvSpPr>
+        <dsp:cNvPr id="0" name=""/>
+        <dsp:cNvSpPr/>
+      </dsp:nvSpPr>
+      <dsp:spPr>
+        <a:xfrm>
+          <a:off x="4621" y="0"/>
+          <a:ext cx="3049934" cy="1740535"/>
+        </a:xfrm>
+        <a:prstGeom prst="rect">
+          <a:avLst/>
+        </a:prstGeom>
+        <a:noFill/>
+        <a:ln>
+          <a:noFill/>
+        </a:ln>
+        <a:effectLst/>
+      </dsp:spPr>
+      <dsp:style>
+        <a:lnRef idx="0">
+          <a:scrgbClr r="0" g="0" b="0"/>
+        </a:lnRef>
+        <a:fillRef idx="0">
+          <a:scrgbClr r="0" g="0" b="0"/>
+        </a:fillRef>
+        <a:effectRef idx="0">
+          <a:scrgbClr r="0" g="0" b="0"/>
+        </a:effectRef>
+        <a:fontRef idx="minor"/>
+      </dsp:style>
+      <dsp:txBody>
+        <a:bodyPr spcFirstLastPara="0" vert="horz" wrap="square" lIns="184912" tIns="184912" rIns="184912" bIns="184912" numCol="1" spcCol="1270" anchor="b" anchorCtr="0">
+          <a:noAutofit/>
+        </a:bodyPr>
+        <a:lstStyle/>
+        <a:p>
+          <a:pPr marL="0" lvl="0" indent="0" algn="ctr" defTabSz="1155700">
+            <a:lnSpc>
+              <a:spcPct val="90000"/>
+            </a:lnSpc>
+            <a:spcBef>
+              <a:spcPct val="0"/>
+            </a:spcBef>
+            <a:spcAft>
+              <a:spcPct val="35000"/>
+            </a:spcAft>
+            <a:buNone/>
+          </a:pPr>
+          <a:r>
+            <a:rPr lang="sv-SE" sz="2600" kern="1200" dirty="0"/>
+            <a:t>2022/10/03 Project initiation</a:t>
+          </a:r>
+        </a:p>
+      </dsp:txBody>
+      <dsp:txXfrm>
+        <a:off x="4621" y="0"/>
+        <a:ext cx="3049934" cy="1740535"/>
+      </dsp:txXfrm>
+    </dsp:sp>
+    <dsp:sp modelId="{87420346-E72F-4DEA-A6F7-8F898120FA8A}">
+      <dsp:nvSpPr>
+        <dsp:cNvPr id="0" name=""/>
+        <dsp:cNvSpPr/>
+      </dsp:nvSpPr>
+      <dsp:spPr>
+        <a:xfrm>
+          <a:off x="1312021" y="1958102"/>
+          <a:ext cx="435133" cy="435133"/>
+        </a:xfrm>
+        <a:prstGeom prst="ellipse">
+          <a:avLst/>
+        </a:prstGeom>
+        <a:solidFill>
+          <a:schemeClr val="accent1">
+            <a:hueOff val="0"/>
+            <a:satOff val="0"/>
+            <a:lumOff val="0"/>
+            <a:alphaOff val="0"/>
+          </a:schemeClr>
+        </a:solidFill>
+        <a:ln w="12700" cap="flat" cmpd="sng" algn="ctr">
+          <a:solidFill>
+            <a:schemeClr val="lt1">
+              <a:hueOff val="0"/>
+              <a:satOff val="0"/>
+              <a:lumOff val="0"/>
+              <a:alphaOff val="0"/>
+            </a:schemeClr>
+          </a:solidFill>
+          <a:prstDash val="solid"/>
+          <a:miter lim="800000"/>
+        </a:ln>
+        <a:effectLst/>
+      </dsp:spPr>
+      <dsp:style>
+        <a:lnRef idx="2">
+          <a:scrgbClr r="0" g="0" b="0"/>
+        </a:lnRef>
+        <a:fillRef idx="1">
+          <a:scrgbClr r="0" g="0" b="0"/>
+        </a:fillRef>
+        <a:effectRef idx="0">
+          <a:scrgbClr r="0" g="0" b="0"/>
+        </a:effectRef>
+        <a:fontRef idx="minor">
+          <a:schemeClr val="lt1"/>
+        </a:fontRef>
+      </dsp:style>
+    </dsp:sp>
+    <dsp:sp modelId="{1600688E-A3DF-49B5-A46B-9E8887FA138A}">
+      <dsp:nvSpPr>
+        <dsp:cNvPr id="0" name=""/>
+        <dsp:cNvSpPr/>
+      </dsp:nvSpPr>
+      <dsp:spPr>
+        <a:xfrm>
+          <a:off x="3207052" y="2610802"/>
+          <a:ext cx="3049934" cy="1740535"/>
+        </a:xfrm>
+        <a:prstGeom prst="rect">
+          <a:avLst/>
+        </a:prstGeom>
+        <a:noFill/>
+        <a:ln>
+          <a:noFill/>
+        </a:ln>
+        <a:effectLst/>
+      </dsp:spPr>
+      <dsp:style>
+        <a:lnRef idx="0">
+          <a:scrgbClr r="0" g="0" b="0"/>
+        </a:lnRef>
+        <a:fillRef idx="0">
+          <a:scrgbClr r="0" g="0" b="0"/>
+        </a:fillRef>
+        <a:effectRef idx="0">
+          <a:scrgbClr r="0" g="0" b="0"/>
+        </a:effectRef>
+        <a:fontRef idx="minor"/>
+      </dsp:style>
+      <dsp:txBody>
+        <a:bodyPr spcFirstLastPara="0" vert="horz" wrap="square" lIns="184912" tIns="184912" rIns="184912" bIns="184912" numCol="1" spcCol="1270" anchor="t" anchorCtr="0">
+          <a:noAutofit/>
+        </a:bodyPr>
+        <a:lstStyle/>
+        <a:p>
+          <a:pPr marL="0" lvl="0" indent="0" algn="ctr" defTabSz="1155700">
+            <a:lnSpc>
+              <a:spcPct val="90000"/>
+            </a:lnSpc>
+            <a:spcBef>
+              <a:spcPct val="0"/>
+            </a:spcBef>
+            <a:spcAft>
+              <a:spcPct val="35000"/>
+            </a:spcAft>
+            <a:buNone/>
+          </a:pPr>
+          <a:r>
+            <a:rPr lang="sv-SE" sz="2600" kern="1200" dirty="0"/>
+            <a:t>2022/10/26 End </a:t>
+          </a:r>
+          <a:r>
+            <a:rPr lang="sv-SE" sz="2600" kern="1200" dirty="0" err="1"/>
+            <a:t>of</a:t>
+          </a:r>
+          <a:r>
+            <a:rPr lang="sv-SE" sz="2600" kern="1200" dirty="0"/>
+            <a:t> </a:t>
+          </a:r>
+          <a:r>
+            <a:rPr lang="sv-SE" sz="2600" kern="1200" dirty="0" err="1"/>
+            <a:t>development</a:t>
+          </a:r>
+          <a:r>
+            <a:rPr lang="sv-SE" sz="2600" kern="1200" dirty="0"/>
+            <a:t> </a:t>
+          </a:r>
+          <a:r>
+            <a:rPr lang="sv-SE" sz="2600" kern="1200" dirty="0" err="1"/>
+            <a:t>proccess</a:t>
+          </a:r>
+          <a:endParaRPr lang="sv-SE" sz="2600" kern="1200" dirty="0"/>
+        </a:p>
+      </dsp:txBody>
+      <dsp:txXfrm>
+        <a:off x="3207052" y="2610802"/>
+        <a:ext cx="3049934" cy="1740535"/>
+      </dsp:txXfrm>
+    </dsp:sp>
+    <dsp:sp modelId="{9A475C73-5725-4D57-85AB-E968D2643552}">
+      <dsp:nvSpPr>
+        <dsp:cNvPr id="0" name=""/>
+        <dsp:cNvSpPr/>
+      </dsp:nvSpPr>
+      <dsp:spPr>
+        <a:xfrm>
+          <a:off x="4514453" y="1958102"/>
+          <a:ext cx="435133" cy="435133"/>
+        </a:xfrm>
+        <a:prstGeom prst="ellipse">
+          <a:avLst/>
+        </a:prstGeom>
+        <a:solidFill>
+          <a:schemeClr val="accent1">
+            <a:hueOff val="0"/>
+            <a:satOff val="0"/>
+            <a:lumOff val="0"/>
+            <a:alphaOff val="0"/>
+          </a:schemeClr>
+        </a:solidFill>
+        <a:ln w="12700" cap="flat" cmpd="sng" algn="ctr">
+          <a:solidFill>
+            <a:schemeClr val="lt1">
+              <a:hueOff val="0"/>
+              <a:satOff val="0"/>
+              <a:lumOff val="0"/>
+              <a:alphaOff val="0"/>
+            </a:schemeClr>
+          </a:solidFill>
+          <a:prstDash val="solid"/>
+          <a:miter lim="800000"/>
+        </a:ln>
+        <a:effectLst/>
+      </dsp:spPr>
+      <dsp:style>
+        <a:lnRef idx="2">
+          <a:scrgbClr r="0" g="0" b="0"/>
+        </a:lnRef>
+        <a:fillRef idx="1">
+          <a:scrgbClr r="0" g="0" b="0"/>
+        </a:fillRef>
+        <a:effectRef idx="0">
+          <a:scrgbClr r="0" g="0" b="0"/>
+        </a:effectRef>
+        <a:fontRef idx="minor">
+          <a:schemeClr val="lt1"/>
+        </a:fontRef>
+      </dsp:style>
+    </dsp:sp>
+    <dsp:sp modelId="{952803FC-4814-48F7-BF3F-A4C0B716A1A6}">
+      <dsp:nvSpPr>
+        <dsp:cNvPr id="0" name=""/>
+        <dsp:cNvSpPr/>
+      </dsp:nvSpPr>
+      <dsp:spPr>
+        <a:xfrm>
+          <a:off x="6409484" y="0"/>
+          <a:ext cx="3049934" cy="1740535"/>
+        </a:xfrm>
+        <a:prstGeom prst="rect">
+          <a:avLst/>
+        </a:prstGeom>
+        <a:noFill/>
+        <a:ln>
+          <a:noFill/>
+        </a:ln>
+        <a:effectLst/>
+      </dsp:spPr>
+      <dsp:style>
+        <a:lnRef idx="0">
+          <a:scrgbClr r="0" g="0" b="0"/>
+        </a:lnRef>
+        <a:fillRef idx="0">
+          <a:scrgbClr r="0" g="0" b="0"/>
+        </a:fillRef>
+        <a:effectRef idx="0">
+          <a:scrgbClr r="0" g="0" b="0"/>
+        </a:effectRef>
+        <a:fontRef idx="minor"/>
+      </dsp:style>
+      <dsp:txBody>
+        <a:bodyPr spcFirstLastPara="0" vert="horz" wrap="square" lIns="184912" tIns="184912" rIns="184912" bIns="184912" numCol="1" spcCol="1270" anchor="b" anchorCtr="0">
+          <a:noAutofit/>
+        </a:bodyPr>
+        <a:lstStyle/>
+        <a:p>
+          <a:pPr marL="0" lvl="0" indent="0" algn="ctr" defTabSz="1155700">
+            <a:lnSpc>
+              <a:spcPct val="90000"/>
+            </a:lnSpc>
+            <a:spcBef>
+              <a:spcPct val="0"/>
+            </a:spcBef>
+            <a:spcAft>
+              <a:spcPct val="35000"/>
+            </a:spcAft>
+            <a:buNone/>
+          </a:pPr>
+          <a:r>
+            <a:rPr lang="sv-SE" sz="2600" kern="1200" dirty="0"/>
+            <a:t>2022/11/02 Project end </a:t>
+          </a:r>
+        </a:p>
+      </dsp:txBody>
+      <dsp:txXfrm>
+        <a:off x="6409484" y="0"/>
+        <a:ext cx="3049934" cy="1740535"/>
+      </dsp:txXfrm>
+    </dsp:sp>
+    <dsp:sp modelId="{A429610C-BB35-4EED-8940-428FD4EC8E95}">
+      <dsp:nvSpPr>
+        <dsp:cNvPr id="0" name=""/>
+        <dsp:cNvSpPr/>
+      </dsp:nvSpPr>
+      <dsp:spPr>
+        <a:xfrm>
+          <a:off x="7716884" y="1958102"/>
+          <a:ext cx="435133" cy="435133"/>
+        </a:xfrm>
+        <a:prstGeom prst="ellipse">
+          <a:avLst/>
+        </a:prstGeom>
+        <a:solidFill>
+          <a:schemeClr val="accent1">
+            <a:hueOff val="0"/>
+            <a:satOff val="0"/>
+            <a:lumOff val="0"/>
+            <a:alphaOff val="0"/>
+          </a:schemeClr>
+        </a:solidFill>
+        <a:ln w="12700" cap="flat" cmpd="sng" algn="ctr">
+          <a:solidFill>
+            <a:schemeClr val="lt1">
+              <a:hueOff val="0"/>
+              <a:satOff val="0"/>
+              <a:lumOff val="0"/>
+              <a:alphaOff val="0"/>
+            </a:schemeClr>
+          </a:solidFill>
+          <a:prstDash val="solid"/>
+          <a:miter lim="800000"/>
+        </a:ln>
+        <a:effectLst/>
+      </dsp:spPr>
+      <dsp:style>
+        <a:lnRef idx="2">
+          <a:scrgbClr r="0" g="0" b="0"/>
+        </a:lnRef>
+        <a:fillRef idx="1">
+          <a:scrgbClr r="0" g="0" b="0"/>
+        </a:fillRef>
+        <a:effectRef idx="0">
+          <a:scrgbClr r="0" g="0" b="0"/>
+        </a:effectRef>
+        <a:fontRef idx="minor">
+          <a:schemeClr val="lt1"/>
+        </a:fontRef>
+      </dsp:style>
+    </dsp:sp>
+  </dsp:spTree>
+</dsp:drawing>
+</file>
+
+<file path=ppt/diagrams/layout1.xml><?xml version="1.0" encoding="utf-8"?>
+<dgm:layoutDef xmlns:dgm="http://schemas.openxmlformats.org/drawingml/2006/diagram" xmlns:a="http://schemas.openxmlformats.org/drawingml/2006/main" uniqueId="urn:microsoft.com/office/officeart/2005/8/layout/hProcess11">
+  <dgm:title val=""/>
+  <dgm:desc val=""/>
+  <dgm:catLst>
+    <dgm:cat type="process" pri="8000"/>
+    <dgm:cat type="convert" pri="14000"/>
+  </dgm:catLst>
+  <dgm:sampData useDef="1">
+    <dgm:dataModel>
+      <dgm:ptLst/>
+      <dgm:bg/>
+      <dgm:whole/>
+    </dgm:dataModel>
+  </dgm:sampData>
+  <dgm:styleData>
+    <dgm:dataModel>
+      <dgm:ptLst>
+        <dgm:pt modelId="0" type="doc"/>
+        <dgm:pt modelId="1"/>
+        <dgm:pt modelId="2"/>
+      </dgm:ptLst>
+      <dgm:cxnLst>
+        <dgm:cxn modelId="4" srcId="0" destId="1" srcOrd="0" destOrd="0"/>
+        <dgm:cxn modelId="5" srcId="0" destId="2" srcOrd="1" destOrd="0"/>
+      </dgm:cxnLst>
+      <dgm:bg/>
+      <dgm:whole/>
+    </dgm:dataModel>
+  </dgm:styleData>
+  <dgm:clrData>
+    <dgm:dataModel>
+      <dgm:ptLst>
+        <dgm:pt modelId="0" type="doc"/>
+        <dgm:pt modelId="1"/>
+        <dgm:pt modelId="2"/>
+        <dgm:pt modelId="3"/>
+        <dgm:pt modelId="4"/>
+      </dgm:ptLst>
+      <dgm:cxnLst>
+        <dgm:cxn modelId="5" srcId="0" destId="1" srcOrd="0" destOrd="0"/>
+        <dgm:cxn modelId="6" srcId="0" destId="2" srcOrd="1" destOrd="0"/>
+        <dgm:cxn modelId="7" srcId="0" destId="3" srcOrd="2" destOrd="0"/>
+        <dgm:cxn modelId="8" srcId="0" destId="4" srcOrd="3" destOrd="0"/>
+      </dgm:cxnLst>
+      <dgm:bg/>
+      <dgm:whole/>
+    </dgm:dataModel>
+  </dgm:clrData>
+  <dgm:layoutNode name="Name0">
+    <dgm:varLst>
+      <dgm:dir/>
+      <dgm:resizeHandles val="exact"/>
+    </dgm:varLst>
+    <dgm:alg type="composite"/>
+    <dgm:shape xmlns:r="http://schemas.openxmlformats.org/officeDocument/2006/relationships" r:blip="">
+      <dgm:adjLst/>
+    </dgm:shape>
+    <dgm:presOf/>
+    <dgm:choose name="Name1">
+      <dgm:if name="Name2" func="var" arg="dir" op="equ" val="norm">
+        <dgm:constrLst>
+          <dgm:constr type="w" for="ch" forName="arrow" refType="w"/>
+          <dgm:constr type="h" for="ch" forName="arrow" refType="h" fact="0.4"/>
+          <dgm:constr type="ctrY" for="ch" forName="arrow" refType="h" fact="0.5"/>
+          <dgm:constr type="l" for="ch" forName="arrow"/>
+          <dgm:constr type="w" for="ch" forName="points" refType="w" fact="0.9"/>
+          <dgm:constr type="h" for="ch" forName="points" refType="h"/>
+          <dgm:constr type="t" for="ch" forName="points"/>
+          <dgm:constr type="l" for="ch" forName="points"/>
+        </dgm:constrLst>
+      </dgm:if>
+      <dgm:else name="Name3">
+        <dgm:constrLst>
+          <dgm:constr type="w" for="ch" forName="arrow" refType="w"/>
+          <dgm:constr type="h" for="ch" forName="arrow" refType="h" fact="0.4"/>
+          <dgm:constr type="ctrY" for="ch" forName="arrow" refType="h" fact="0.5"/>
+          <dgm:constr type="r" for="ch" forName="arrow" refType="w"/>
+          <dgm:constr type="w" for="ch" forName="points" refType="w" fact="0.9"/>
+          <dgm:constr type="h" for="ch" forName="points" refType="h"/>
+          <dgm:constr type="t" for="ch" forName="points"/>
+          <dgm:constr type="r" for="ch" forName="points" refType="w"/>
+        </dgm:constrLst>
+      </dgm:else>
+    </dgm:choose>
+    <dgm:ruleLst/>
+    <dgm:layoutNode name="arrow" styleLbl="bgShp">
+      <dgm:alg type="sp"/>
+      <dgm:choose name="Name4">
+        <dgm:if name="Name5" func="var" arg="dir" op="equ" val="norm">
+          <dgm:shape xmlns:r="http://schemas.openxmlformats.org/officeDocument/2006/relationships" type="notchedRightArrow" r:blip="">
+            <dgm:adjLst/>
+          </dgm:shape>
+        </dgm:if>
+        <dgm:else name="Name6">
+          <dgm:shape xmlns:r="http://schemas.openxmlformats.org/officeDocument/2006/relationships" rot="180" type="notchedRightArrow" r:blip="">
+            <dgm:adjLst/>
+          </dgm:shape>
+        </dgm:else>
+      </dgm:choose>
+      <dgm:presOf/>
+      <dgm:constrLst/>
+      <dgm:ruleLst/>
+    </dgm:layoutNode>
+    <dgm:layoutNode name="points">
+      <dgm:choose name="Name7">
+        <dgm:if name="Name8" func="var" arg="dir" op="equ" val="norm">
+          <dgm:alg type="lin">
+            <dgm:param type="linDir" val="fromL"/>
+          </dgm:alg>
+        </dgm:if>
+        <dgm:else name="Name9">
+          <dgm:alg type="lin">
+            <dgm:param type="linDir" val="fromR"/>
+          </dgm:alg>
+        </dgm:else>
+      </dgm:choose>
+      <dgm:shape xmlns:r="http://schemas.openxmlformats.org/officeDocument/2006/relationships" r:blip="">
+        <dgm:adjLst/>
+      </dgm:shape>
+      <dgm:presOf/>
+      <dgm:constrLst>
+        <dgm:constr type="w" for="ch" forName="compositeA" refType="w"/>
+        <dgm:constr type="h" for="ch" forName="compositeA" refType="h"/>
+        <dgm:constr type="w" for="ch" forName="compositeB" refType="w" refFor="ch" refForName="compositeA" op="equ"/>
+        <dgm:constr type="h" for="ch" forName="compositeB" refType="h" refFor="ch" refForName="compositeA" op="equ"/>
+        <dgm:constr type="primFontSz" for="des" ptType="node" op="equ" val="65"/>
+        <dgm:constr type="w" for="ch" forName="space" refType="w" refFor="ch" refForName="compositeA" op="equ" fact="0.05"/>
+      </dgm:constrLst>
+      <dgm:ruleLst/>
+      <dgm:forEach name="Name10" axis="ch" ptType="node">
+        <dgm:choose name="Name11">
+          <dgm:if name="Name12" axis="self" ptType="node" func="posOdd" op="equ" val="1">
+            <dgm:layoutNode name="compositeA">
+              <dgm:alg type="composite"/>
+              <dgm:shape xmlns:r="http://schemas.openxmlformats.org/officeDocument/2006/relationships" r:blip="">
+                <dgm:adjLst/>
+              </dgm:shape>
+              <dgm:presOf/>
+              <dgm:constrLst>
+                <dgm:constr type="w" for="ch" forName="textA" refType="w"/>
+                <dgm:constr type="h" for="ch" forName="textA" refType="h" fact="0.4"/>
+                <dgm:constr type="t" for="ch" forName="textA"/>
+                <dgm:constr type="l" for="ch" forName="textA"/>
+                <dgm:constr type="h" for="ch" forName="circleA" refType="h" fact="0.1"/>
+                <dgm:constr type="h" for="ch" forName="circleA" refType="w" op="lte"/>
+                <dgm:constr type="w" for="ch" forName="circleA" refType="h" refFor="ch" refForName="circleA" op="equ"/>
+                <dgm:constr type="ctrY" for="ch" forName="circleA" refType="h" fact="0.5"/>
+                <dgm:constr type="ctrX" for="ch" forName="circleA" refType="w" refFor="ch" refForName="textA" fact="0.5"/>
+                <dgm:constr type="w" for="ch" forName="spaceA" refType="w"/>
+                <dgm:constr type="h" for="ch" forName="spaceA" refType="h" fact="0.4"/>
+                <dgm:constr type="b" for="ch" forName="spaceA" refType="h"/>
+                <dgm:constr type="l" for="ch" forName="spaceA"/>
+              </dgm:constrLst>
+              <dgm:ruleLst/>
+              <dgm:layoutNode name="textA" styleLbl="revTx">
+                <dgm:varLst>
+                  <dgm:bulletEnabled val="1"/>
+                </dgm:varLst>
+                <dgm:alg type="tx">
+                  <dgm:param type="txAnchorVert" val="b"/>
+                  <dgm:param type="txAnchorVertCh" val="b"/>
+                  <dgm:param type="txAnchorHorzCh" val="ctr"/>
+                </dgm:alg>
+                <dgm:shape xmlns:r="http://schemas.openxmlformats.org/officeDocument/2006/relationships" type="rect" r:blip="">
+                  <dgm:adjLst/>
+                </dgm:shape>
+                <dgm:presOf axis="desOrSelf" ptType="node"/>
+                <dgm:constrLst/>
+                <dgm:ruleLst>
+                  <dgm:rule type="primFontSz" val="5" fact="NaN" max="NaN"/>
+                </dgm:ruleLst>
+              </dgm:layoutNode>
+              <dgm:layoutNode name="circleA">
+                <dgm:alg type="sp"/>
+                <dgm:shape xmlns:r="http://schemas.openxmlformats.org/officeDocument/2006/relationships" type="ellipse" r:blip="">
+                  <dgm:adjLst/>
+                </dgm:shape>
+                <dgm:presOf/>
+                <dgm:constrLst/>
+                <dgm:ruleLst/>
+              </dgm:layoutNode>
+              <dgm:layoutNode name="spaceA">
+                <dgm:alg type="sp"/>
+                <dgm:shape xmlns:r="http://schemas.openxmlformats.org/officeDocument/2006/relationships" r:blip="">
+                  <dgm:adjLst/>
+                </dgm:shape>
+                <dgm:presOf/>
+                <dgm:constrLst/>
+                <dgm:ruleLst/>
+              </dgm:layoutNode>
+            </dgm:layoutNode>
+          </dgm:if>
+          <dgm:else name="Name13">
+            <dgm:layoutNode name="compositeB">
+              <dgm:alg type="composite"/>
+              <dgm:shape xmlns:r="http://schemas.openxmlformats.org/officeDocument/2006/relationships" r:blip="">
+                <dgm:adjLst/>
+              </dgm:shape>
+              <dgm:presOf/>
+              <dgm:constrLst>
+                <dgm:constr type="w" for="ch" forName="textB" refType="w"/>
+                <dgm:constr type="h" for="ch" forName="textB" refType="h" fact="0.4"/>
+                <dgm:constr type="b" for="ch" forName="textB" refType="h"/>
+                <dgm:constr type="l" for="ch" forName="textB"/>
+                <dgm:constr type="h" for="ch" forName="circleB" refType="h" fact="0.1"/>
+                <dgm:constr type="w" for="ch" forName="circleB" refType="h" refFor="ch" refForName="circleB" op="equ"/>
+                <dgm:constr type="h" for="ch" forName="circleB" refType="w" op="lte"/>
+                <dgm:constr type="ctrY" for="ch" forName="circleB" refType="h" fact="0.5"/>
+                <dgm:constr type="ctrX" for="ch" forName="circleB" refType="w" refFor="ch" refForName="textB" fact="0.5"/>
+                <dgm:constr type="w" for="ch" forName="spaceB" refType="w"/>
+                <dgm:constr type="h" for="ch" forName="spaceB" refType="h" fact="0.4"/>
+                <dgm:constr type="t" for="ch" forName="spaceB"/>
+                <dgm:constr type="l" for="ch" forName="spaceB"/>
+              </dgm:constrLst>
+              <dgm:ruleLst/>
+              <dgm:layoutNode name="textB" styleLbl="revTx">
+                <dgm:varLst>
+                  <dgm:bulletEnabled val="1"/>
+                </dgm:varLst>
+                <dgm:alg type="tx">
+                  <dgm:param type="txAnchorVert" val="t"/>
+                  <dgm:param type="txAnchorVertCh" val="t"/>
+                  <dgm:param type="txAnchorHorzCh" val="ctr"/>
+                </dgm:alg>
+                <dgm:shape xmlns:r="http://schemas.openxmlformats.org/officeDocument/2006/relationships" type="rect" r:blip="">
+                  <dgm:adjLst/>
+                </dgm:shape>
+                <dgm:presOf axis="desOrSelf" ptType="node"/>
+                <dgm:constrLst/>
+                <dgm:ruleLst>
+                  <dgm:rule type="primFontSz" val="5" fact="NaN" max="NaN"/>
+                </dgm:ruleLst>
+              </dgm:layoutNode>
+              <dgm:layoutNode name="circleB">
+                <dgm:alg type="sp"/>
+                <dgm:shape xmlns:r="http://schemas.openxmlformats.org/officeDocument/2006/relationships" type="ellipse" r:blip="">
+                  <dgm:adjLst/>
+                </dgm:shape>
+                <dgm:presOf/>
+                <dgm:constrLst/>
+                <dgm:ruleLst/>
+              </dgm:layoutNode>
+              <dgm:layoutNode name="spaceB">
+                <dgm:alg type="sp"/>
+                <dgm:shape xmlns:r="http://schemas.openxmlformats.org/officeDocument/2006/relationships" r:blip="">
+                  <dgm:adjLst/>
+                </dgm:shape>
+                <dgm:presOf/>
+                <dgm:constrLst/>
+                <dgm:ruleLst/>
+              </dgm:layoutNode>
+            </dgm:layoutNode>
+          </dgm:else>
+        </dgm:choose>
+        <dgm:forEach name="Name14" axis="followSib" ptType="sibTrans" cnt="1">
+          <dgm:layoutNode name="space">
+            <dgm:alg type="sp"/>
+            <dgm:shape xmlns:r="http://schemas.openxmlformats.org/officeDocument/2006/relationships" r:blip="">
+              <dgm:adjLst/>
+            </dgm:shape>
+            <dgm:presOf/>
+            <dgm:constrLst/>
+            <dgm:ruleLst/>
+          </dgm:layoutNode>
+        </dgm:forEach>
+      </dgm:forEach>
+    </dgm:layoutNode>
+  </dgm:layoutNode>
+</dgm:layoutDef>
+</file>
+
+<file path=ppt/diagrams/quickStyle1.xml><?xml version="1.0" encoding="utf-8"?>
+<dgm:styleDef xmlns:dgm="http://schemas.openxmlformats.org/drawingml/2006/diagram" xmlns:a="http://schemas.openxmlformats.org/drawingml/2006/main" uniqueId="urn:microsoft.com/office/officeart/2005/8/quickstyle/simple1">
+  <dgm:title val=""/>
+  <dgm:desc val=""/>
+  <dgm:catLst>
+    <dgm:cat type="simple" pri="10100"/>
+  </dgm:catLst>
+  <dgm:scene3d>
+    <a:camera prst="orthographicFront"/>
+    <a:lightRig rig="threePt" dir="t"/>
+  </dgm:scene3d>
+  <dgm:styleLbl name="node0">
+    <dgm:scene3d>
+      <a:camera prst="orthographicFront"/>
+      <a:lightRig rig="threePt" dir="t"/>
+    </dgm:scene3d>
+    <dgm:sp3d/>
+    <dgm:txPr/>
+    <dgm:style>
+      <a:lnRef idx="2">
+        <a:scrgbClr r="0" g="0" b="0"/>
+      </a:lnRef>
+      <a:fillRef idx="1">
+        <a:scrgbClr r="0" g="0" b="0"/>
+      </a:fillRef>
+      <a:effectRef idx="0">
+        <a:scrgbClr r="0" g="0" b="0"/>
+      </a:effectRef>
+      <a:fontRef idx="minor">
+        <a:schemeClr val="lt1"/>
+      </a:fontRef>
+    </dgm:style>
+  </dgm:styleLbl>
+  <dgm:styleLbl name="lnNode1">
+    <dgm:scene3d>
+      <a:camera prst="orthographicFront"/>
+      <a:lightRig rig="threePt" dir="t"/>
+    </dgm:scene3d>
+    <dgm:sp3d/>
+    <dgm:txPr/>
+    <dgm:style>
+      <a:lnRef idx="2">
+        <a:scrgbClr r="0" g="0" b="0"/>
+      </a:lnRef>
+      <a:fillRef idx="1">
+        <a:scrgbClr r="0" g="0" b="0"/>
+      </a:fillRef>
+      <a:effectRef idx="0">
+        <a:scrgbClr r="0" g="0" b="0"/>
+      </a:effectRef>
+      <a:fontRef idx="minor">
+        <a:schemeClr val="lt1"/>
+      </a:fontRef>
+    </dgm:style>
+  </dgm:styleLbl>
+  <dgm:styleLbl name="vennNode1">
+    <dgm:scene3d>
+      <a:camera prst="orthographicFront"/>
+      <a:lightRig rig="threePt" dir="t"/>
+    </dgm:scene3d>
+    <dgm:sp3d/>
+    <dgm:txPr/>
+    <dgm:style>
+      <a:lnRef idx="2">
+        <a:scrgbClr r="0" g="0" b="0"/>
+      </a:lnRef>
+      <a:fillRef idx="1">
+        <a:scrgbClr r="0" g="0" b="0"/>
+      </a:fillRef>
+      <a:effectRef idx="0">
+        <a:scrgbClr r="0" g="0" b="0"/>
+      </a:effectRef>
+      <a:fontRef idx="minor">
+        <a:schemeClr val="tx1"/>
+      </a:fontRef>
+    </dgm:style>
+  </dgm:styleLbl>
+  <dgm:styleLbl name="alignNode1">
+    <dgm:scene3d>
+      <a:camera prst="orthographicFront"/>
+      <a:lightRig rig="threePt" dir="t"/>
+    </dgm:scene3d>
+    <dgm:sp3d/>
+    <dgm:txPr/>
+    <dgm:style>
+      <a:lnRef idx="2">
+        <a:scrgbClr r="0" g="0" b="0"/>
+      </a:lnRef>
+      <a:fillRef idx="1">
+        <a:scrgbClr r="0" g="0" b="0"/>
+      </a:fillRef>
+      <a:effectRef idx="0">
+        <a:scrgbClr r="0" g="0" b="0"/>
+      </a:effectRef>
+      <a:fontRef idx="minor">
+        <a:schemeClr val="lt1"/>
+      </a:fontRef>
+    </dgm:style>
+  </dgm:styleLbl>
+  <dgm:styleLbl name="node1">
+    <dgm:scene3d>
+      <a:camera prst="orthographicFront"/>
+      <a:lightRig rig="threePt" dir="t"/>
+    </dgm:scene3d>
+    <dgm:sp3d/>
+    <dgm:txPr/>
+    <dgm:style>
+      <a:lnRef idx="2">
+        <a:scrgbClr r="0" g="0" b="0"/>
+      </a:lnRef>
+      <a:fillRef idx="1">
+        <a:scrgbClr r="0" g="0" b="0"/>
+      </a:fillRef>
+      <a:effectRef idx="0">
+        <a:scrgbClr r="0" g="0" b="0"/>
+      </a:effectRef>
+      <a:fontRef idx="minor">
+        <a:schemeClr val="lt1"/>
+      </a:fontRef>
+    </dgm:style>
+  </dgm:styleLbl>
+  <dgm:styleLbl name="node2">
+    <dgm:scene3d>
+      <a:camera prst="orthographicFront"/>
+      <a:lightRig rig="threePt" dir="t"/>
+    </dgm:scene3d>
+    <dgm:sp3d/>
+    <dgm:txPr/>
+    <dgm:style>
+      <a:lnRef idx="2">
+        <a:scrgbClr r="0" g="0" b="0"/>
+      </a:lnRef>
+      <a:fillRef idx="1">
+        <a:scrgbClr r="0" g="0" b="0"/>
+      </a:fillRef>
+      <a:effectRef idx="0">
+        <a:scrgbClr r="0" g="0" b="0"/>
+      </a:effectRef>
+      <a:fontRef idx="minor">
+        <a:schemeClr val="lt1"/>
+      </a:fontRef>
+    </dgm:style>
+  </dgm:styleLbl>
+  <dgm:styleLbl name="node3">
+    <dgm:scene3d>
+      <a:camera prst="orthographicFront"/>
+      <a:lightRig rig="threePt" dir="t"/>
+    </dgm:scene3d>
+    <dgm:sp3d/>
+    <dgm:txPr/>
+    <dgm:style>
+      <a:lnRef idx="2">
+        <a:scrgbClr r="0" g="0" b="0"/>
+      </a:lnRef>
+      <a:fillRef idx="1">
+        <a:scrgbClr r="0" g="0" b="0"/>
+      </a:fillRef>
+      <a:effectRef idx="0">
+        <a:scrgbClr r="0" g="0" b="0"/>
+      </a:effectRef>
+      <a:fontRef idx="minor">
+        <a:schemeClr val="lt1"/>
+      </a:fontRef>
+    </dgm:style>
+  </dgm:styleLbl>
+  <dgm:styleLbl name="node4">
+    <dgm:scene3d>
+      <a:camera prst="orthographicFront"/>
+      <a:lightRig rig="threePt" dir="t"/>
+    </dgm:scene3d>
+    <dgm:sp3d/>
+    <dgm:txPr/>
+    <dgm:style>
+      <a:lnRef idx="2">
+        <a:scrgbClr r="0" g="0" b="0"/>
+      </a:lnRef>
+      <a:fillRef idx="1">
+        <a:scrgbClr r="0" g="0" b="0"/>
+      </a:fillRef>
+      <a:effectRef idx="0">
+        <a:scrgbClr r="0" g="0" b="0"/>
+      </a:effectRef>
+      <a:fontRef idx="minor">
+        <a:schemeClr val="lt1"/>
+      </a:fontRef>
+    </dgm:style>
+  </dgm:styleLbl>
+  <dgm:styleLbl name="fgImgPlace1">
+    <dgm:scene3d>
+      <a:camera prst="orthographicFront"/>
+      <a:lightRig rig="threePt" dir="t"/>
+    </dgm:scene3d>
+    <dgm:sp3d/>
+    <dgm:txPr/>
+    <dgm:style>
+      <a:lnRef idx="2">
+        <a:scrgbClr r="0" g="0" b="0"/>
+      </a:lnRef>
+      <a:fillRef idx="1">
+        <a:scrgbClr r="0" g="0" b="0"/>
+      </a:fillRef>
+      <a:effectRef idx="0">
+        <a:scrgbClr r="0" g="0" b="0"/>
+      </a:effectRef>
+      <a:fontRef idx="minor"/>
+    </dgm:style>
+  </dgm:styleLbl>
+  <dgm:styleLbl name="alignImgPlace1">
+    <dgm:scene3d>
+      <a:camera prst="orthographicFront"/>
+      <a:lightRig rig="threePt" dir="t"/>
+    </dgm:scene3d>
+    <dgm:sp3d/>
+    <dgm:txPr/>
+    <dgm:style>
+      <a:lnRef idx="2">
+        <a:scrgbClr r="0" g="0" b="0"/>
+      </a:lnRef>
+      <a:fillRef idx="1">
+        <a:scrgbClr r="0" g="0" b="0"/>
+      </a:fillRef>
+      <a:effectRef idx="0">
+        <a:scrgbClr r="0" g="0" b="0"/>
+      </a:effectRef>
+      <a:fontRef idx="minor"/>
+    </dgm:style>
+  </dgm:styleLbl>
+  <dgm:styleLbl name="bgImgPlace1">
+    <dgm:scene3d>
+      <a:camera prst="orthographicFront"/>
+      <a:lightRig rig="threePt" dir="t"/>
+    </dgm:scene3d>
+    <dgm:sp3d/>
+    <dgm:txPr/>
+    <dgm:style>
+      <a:lnRef idx="2">
+        <a:scrgbClr r="0" g="0" b="0"/>
+      </a:lnRef>
+      <a:fillRef idx="1">
+        <a:scrgbClr r="0" g="0" b="0"/>
+      </a:fillRef>
+      <a:effectRef idx="0">
+        <a:scrgbClr r="0" g="0" b="0"/>
+      </a:effectRef>
+      <a:fontRef idx="minor"/>
+    </dgm:style>
+  </dgm:styleLbl>
+  <dgm:styleLbl name="sibTrans2D1">
+    <dgm:scene3d>
+      <a:camera prst="orthographicFront"/>
+      <a:lightRig rig="threePt" dir="t"/>
+    </dgm:scene3d>
+    <dgm:sp3d/>
+    <dgm:txPr/>
+    <dgm:style>
+      <a:lnRef idx="0">
+        <a:scrgbClr r="0" g="0" b="0"/>
+      </a:lnRef>
+      <a:fillRef idx="1">
+        <a:scrgbClr r="0" g="0" b="0"/>
+      </a:fillRef>
+      <a:effectRef idx="0">
+        <a:scrgbClr r="0" g="0" b="0"/>
+      </a:effectRef>
+      <a:fontRef idx="minor">
+        <a:schemeClr val="lt1"/>
+      </a:fontRef>
+    </dgm:style>
+  </dgm:styleLbl>
+  <dgm:styleLbl name="fgSibTrans2D1">
+    <dgm:scene3d>
+      <a:camera prst="orthographicFront"/>
+      <a:lightRig rig="threePt" dir="t"/>
+    </dgm:scene3d>
+    <dgm:sp3d/>
+    <dgm:txPr/>
+    <dgm:style>
+      <a:lnRef idx="0">
+        <a:scrgbClr r="0" g="0" b="0"/>
+      </a:lnRef>
+      <a:fillRef idx="1">
+        <a:scrgbClr r="0" g="0" b="0"/>
+      </a:fillRef>
+      <a:effectRef idx="0">
+        <a:scrgbClr r="0" g="0" b="0"/>
+      </a:effectRef>
+      <a:fontRef idx="minor">
+        <a:schemeClr val="lt1"/>
+      </a:fontRef>
+    </dgm:style>
+  </dgm:styleLbl>
+  <dgm:styleLbl name="bgSibTrans2D1">
+    <dgm:scene3d>
+      <a:camera prst="orthographicFront"/>
+      <a:lightRig rig="threePt" dir="t"/>
+    </dgm:scene3d>
+    <dgm:sp3d/>
+    <dgm:txPr/>
+    <dgm:style>
+      <a:lnRef idx="0">
+        <a:scrgbClr r="0" g="0" b="0"/>
+      </a:lnRef>
+      <a:fillRef idx="1">
+        <a:scrgbClr r="0" g="0" b="0"/>
+      </a:fillRef>
+      <a:effectRef idx="0">
+        <a:scrgbClr r="0" g="0" b="0"/>
+      </a:effectRef>
+      <a:fontRef idx="minor">
+        <a:schemeClr val="lt1"/>
+      </a:fontRef>
+    </dgm:style>
+  </dgm:styleLbl>
+  <dgm:styleLbl name="sibTrans1D1">
+    <dgm:scene3d>
+      <a:camera prst="orthographicFront"/>
+      <a:lightRig rig="threePt" dir="t"/>
+    </dgm:scene3d>
+    <dgm:sp3d/>
+    <dgm:txPr/>
+    <dgm:style>
+      <a:lnRef idx="1">
+        <a:scrgbClr r="0" g="0" b="0"/>
+      </a:lnRef>
+      <a:fillRef idx="0">
+        <a:scrgbClr r="0" g="0" b="0"/>
+      </a:fillRef>
+      <a:effectRef idx="0">
+        <a:scrgbClr r="0" g="0" b="0"/>
+      </a:effectRef>
+      <a:fontRef idx="minor"/>
+    </dgm:style>
+  </dgm:styleLbl>
+  <dgm:styleLbl name="callout">
+    <dgm:scene3d>
+      <a:camera prst="orthographicFront"/>
+      <a:lightRig rig="threePt" dir="t"/>
+    </dgm:scene3d>
+    <dgm:sp3d/>
+    <dgm:txPr/>
+    <dgm:style>
+      <a:lnRef idx="2">
+        <a:scrgbClr r="0" g="0" b="0"/>
+      </a:lnRef>
+      <a:fillRef idx="1">
+        <a:scrgbClr r="0" g="0" b="0"/>
+      </a:fillRef>
+      <a:effectRef idx="0">
+        <a:scrgbClr r="0" g="0" b="0"/>
+      </a:effectRef>
+      <a:fontRef idx="minor"/>
+    </dgm:style>
+  </dgm:styleLbl>
+  <dgm:styleLbl name="asst0">
+    <dgm:scene3d>
+      <a:camera prst="orthographicFront"/>
+      <a:lightRig rig="threePt" dir="t"/>
+    </dgm:scene3d>
+    <dgm:sp3d/>
+    <dgm:txPr/>
+    <dgm:style>
+      <a:lnRef idx="2">
+        <a:scrgbClr r="0" g="0" b="0"/>
+      </a:lnRef>
+      <a:fillRef idx="1">
+        <a:scrgbClr r="0" g="0" b="0"/>
+      </a:fillRef>
+      <a:effectRef idx="0">
+        <a:scrgbClr r="0" g="0" b="0"/>
+      </a:effectRef>
+      <a:fontRef idx="minor">
+        <a:schemeClr val="lt1"/>
+      </a:fontRef>
+    </dgm:style>
+  </dgm:styleLbl>
+  <dgm:styleLbl name="asst1">
+    <dgm:scene3d>
+      <a:camera prst="orthographicFront"/>
+      <a:lightRig rig="threePt" dir="t"/>
+    </dgm:scene3d>
+    <dgm:sp3d/>
+    <dgm:txPr/>
+    <dgm:style>
+      <a:lnRef idx="2">
+        <a:scrgbClr r="0" g="0" b="0"/>
+      </a:lnRef>
+      <a:fillRef idx="1">
+        <a:scrgbClr r="0" g="0" b="0"/>
+      </a:fillRef>
+      <a:effectRef idx="0">
+        <a:scrgbClr r="0" g="0" b="0"/>
+      </a:effectRef>
+      <a:fontRef idx="minor">
+        <a:schemeClr val="lt1"/>
+      </a:fontRef>
+    </dgm:style>
+  </dgm:styleLbl>
+  <dgm:styleLbl name="asst2">
+    <dgm:scene3d>
+      <a:camera prst="orthographicFront"/>
+      <a:lightRig rig="threePt" dir="t"/>
+    </dgm:scene3d>
+    <dgm:sp3d/>
+    <dgm:txPr/>
+    <dgm:style>
+      <a:lnRef idx="2">
+        <a:scrgbClr r="0" g="0" b="0"/>
+      </a:lnRef>
+      <a:fillRef idx="1">
+        <a:scrgbClr r="0" g="0" b="0"/>
+      </a:fillRef>
+      <a:effectRef idx="0">
+        <a:scrgbClr r="0" g="0" b="0"/>
+      </a:effectRef>
+      <a:fontRef idx="minor">
+        <a:schemeClr val="lt1"/>
+      </a:fontRef>
+    </dgm:style>
+  </dgm:styleLbl>
+  <dgm:styleLbl name="asst3">
+    <dgm:scene3d>
+      <a:camera prst="orthographicFront"/>
+      <a:lightRig rig="threePt" dir="t"/>
+    </dgm:scene3d>
+    <dgm:sp3d/>
+    <dgm:txPr/>
+    <dgm:style>
+      <a:lnRef idx="2">
+        <a:scrgbClr r="0" g="0" b="0"/>
+      </a:lnRef>
+      <a:fillRef idx="1">
+        <a:scrgbClr r="0" g="0" b="0"/>
+      </a:fillRef>
+      <a:effectRef idx="0">
+        <a:scrgbClr r="0" g="0" b="0"/>
+      </a:effectRef>
+      <a:fontRef idx="minor">
+        <a:schemeClr val="lt1"/>
+      </a:fontRef>
+    </dgm:style>
+  </dgm:styleLbl>
+  <dgm:styleLbl name="asst4">
+    <dgm:scene3d>
+      <a:camera prst="orthographicFront"/>
+      <a:lightRig rig="threePt" dir="t"/>
+    </dgm:scene3d>
+    <dgm:sp3d/>
+    <dgm:txPr/>
+    <dgm:style>
+      <a:lnRef idx="2">
+        <a:scrgbClr r="0" g="0" b="0"/>
+      </a:lnRef>
+      <a:fillRef idx="1">
+        <a:scrgbClr r="0" g="0" b="0"/>
+      </a:fillRef>
+      <a:effectRef idx="0">
+        <a:scrgbClr r="0" g="0" b="0"/>
+      </a:effectRef>
+      <a:fontRef idx="minor">
+        <a:schemeClr val="lt1"/>
+      </a:fontRef>
+    </dgm:style>
+  </dgm:styleLbl>
+  <dgm:styleLbl name="parChTrans2D1">
+    <dgm:scene3d>
+      <a:camera prst="orthographicFront"/>
+      <a:lightRig rig="threePt" dir="t"/>
+    </dgm:scene3d>
+    <dgm:sp3d/>
+    <dgm:txPr/>
+    <dgm:style>
+      <a:lnRef idx="2">
+        <a:scrgbClr r="0" g="0" b="0"/>
+      </a:lnRef>
+      <a:fillRef idx="1">
+        <a:scrgbClr r="0" g="0" b="0"/>
+      </a:fillRef>
+      <a:effectRef idx="0">
+        <a:scrgbClr r="0" g="0" b="0"/>
+      </a:effectRef>
+      <a:fontRef idx="minor">
+        <a:schemeClr val="lt1"/>
+      </a:fontRef>
+    </dgm:style>
+  </dgm:styleLbl>
+  <dgm:styleLbl name="parChTrans2D2">
+    <dgm:scene3d>
+      <a:camera prst="orthographicFront"/>
+      <a:lightRig rig="threePt" dir="t"/>
+    </dgm:scene3d>
+    <dgm:sp3d/>
+    <dgm:txPr/>
+    <dgm:style>
+      <a:lnRef idx="2">
+        <a:scrgbClr r="0" g="0" b="0"/>
+      </a:lnRef>
+      <a:fillRef idx="1">
+        <a:scrgbClr r="0" g="0" b="0"/>
+      </a:fillRef>
+      <a:effectRef idx="0">
+        <a:scrgbClr r="0" g="0" b="0"/>
+      </a:effectRef>
+      <a:fontRef idx="minor">
+        <a:schemeClr val="lt1"/>
+      </a:fontRef>
+    </dgm:style>
+  </dgm:styleLbl>
+  <dgm:styleLbl name="parChTrans2D3">
+    <dgm:scene3d>
+      <a:camera prst="orthographicFront"/>
+      <a:lightRig rig="threePt" dir="t"/>
+    </dgm:scene3d>
+    <dgm:sp3d/>
+    <dgm:txPr/>
+    <dgm:style>
+      <a:lnRef idx="2">
+        <a:scrgbClr r="0" g="0" b="0"/>
+      </a:lnRef>
+      <a:fillRef idx="1">
+        <a:scrgbClr r="0" g="0" b="0"/>
+      </a:fillRef>
+      <a:effectRef idx="0">
+        <a:scrgbClr r="0" g="0" b="0"/>
+      </a:effectRef>
+      <a:fontRef idx="minor">
+        <a:schemeClr val="lt1"/>
+      </a:fontRef>
+    </dgm:style>
+  </dgm:styleLbl>
+  <dgm:styleLbl name="parChTrans2D4">
+    <dgm:scene3d>
+      <a:camera prst="orthographicFront"/>
+      <a:lightRig rig="threePt" dir="t"/>
+    </dgm:scene3d>
+    <dgm:sp3d/>
+    <dgm:txPr/>
+    <dgm:style>
+      <a:lnRef idx="2">
+        <a:scrgbClr r="0" g="0" b="0"/>
+      </a:lnRef>
+      <a:fillRef idx="1">
+        <a:scrgbClr r="0" g="0" b="0"/>
+      </a:fillRef>
+      <a:effectRef idx="0">
+        <a:scrgbClr r="0" g="0" b="0"/>
+      </a:effectRef>
+      <a:fontRef idx="minor">
+        <a:schemeClr val="lt1"/>
+      </a:fontRef>
+    </dgm:style>
+  </dgm:styleLbl>
+  <dgm:styleLbl name="parChTrans1D1">
+    <dgm:scene3d>
+      <a:camera prst="orthographicFront"/>
+      <a:lightRig rig="threePt" dir="t"/>
+    </dgm:scene3d>
+    <dgm:sp3d/>
+    <dgm:txPr/>
+    <dgm:style>
+      <a:lnRef idx="2">
+        <a:scrgbClr r="0" g="0" b="0"/>
+      </a:lnRef>
+      <a:fillRef idx="0">
+        <a:scrgbClr r="0" g="0" b="0"/>
+      </a:fillRef>
+      <a:effectRef idx="0">
+        <a:scrgbClr r="0" g="0" b="0"/>
+      </a:effectRef>
+      <a:fontRef idx="minor"/>
+    </dgm:style>
+  </dgm:styleLbl>
+  <dgm:styleLbl name="parChTrans1D2">
+    <dgm:scene3d>
+      <a:camera prst="orthographicFront"/>
+      <a:lightRig rig="threePt" dir="t"/>
+    </dgm:scene3d>
+    <dgm:sp3d/>
+    <dgm:txPr/>
+    <dgm:style>
+      <a:lnRef idx="2">
+        <a:scrgbClr r="0" g="0" b="0"/>
+      </a:lnRef>
+      <a:fillRef idx="0">
+        <a:scrgbClr r="0" g="0" b="0"/>
+      </a:fillRef>
+      <a:effectRef idx="0">
+        <a:scrgbClr r="0" g="0" b="0"/>
+      </a:effectRef>
+      <a:fontRef idx="minor"/>
+    </dgm:style>
+  </dgm:styleLbl>
+  <dgm:styleLbl name="parChTrans1D3">
+    <dgm:scene3d>
+      <a:camera prst="orthographicFront"/>
+      <a:lightRig rig="threePt" dir="t"/>
+    </dgm:scene3d>
+    <dgm:sp3d/>
+    <dgm:txPr/>
+    <dgm:style>
+      <a:lnRef idx="2">
+        <a:scrgbClr r="0" g="0" b="0"/>
+      </a:lnRef>
+      <a:fillRef idx="0">
+        <a:scrgbClr r="0" g="0" b="0"/>
+      </a:fillRef>
+      <a:effectRef idx="0">
+        <a:scrgbClr r="0" g="0" b="0"/>
+      </a:effectRef>
+      <a:fontRef idx="minor"/>
+    </dgm:style>
+  </dgm:styleLbl>
+  <dgm:styleLbl name="parChTrans1D4">
+    <dgm:scene3d>
+      <a:camera prst="orthographicFront"/>
+      <a:lightRig rig="threePt" dir="t"/>
+    </dgm:scene3d>
+    <dgm:sp3d/>
+    <dgm:txPr/>
+    <dgm:style>
+      <a:lnRef idx="2">
+        <a:scrgbClr r="0" g="0" b="0"/>
+      </a:lnRef>
+      <a:fillRef idx="0">
+        <a:scrgbClr r="0" g="0" b="0"/>
+      </a:fillRef>
+      <a:effectRef idx="0">
+        <a:scrgbClr r="0" g="0" b="0"/>
+      </a:effectRef>
+      <a:fontRef idx="minor"/>
+    </dgm:style>
+  </dgm:styleLbl>
+  <dgm:styleLbl name="fgAcc1">
+    <dgm:scene3d>
+      <a:camera prst="orthographicFront"/>
+      <a:lightRig rig="threePt" dir="t"/>
+    </dgm:scene3d>
+    <dgm:sp3d/>
+    <dgm:txPr/>
+    <dgm:style>
+      <a:lnRef idx="2">
+        <a:scrgbClr r="0" g="0" b="0"/>
+      </a:lnRef>
+      <a:fillRef idx="1">
+        <a:scrgbClr r="0" g="0" b="0"/>
+      </a:fillRef>
+      <a:effectRef idx="0">
+        <a:scrgbClr r="0" g="0" b="0"/>
+      </a:effectRef>
+      <a:fontRef idx="minor"/>
+    </dgm:style>
+  </dgm:styleLbl>
+  <dgm:styleLbl name="conFgAcc1">
+    <dgm:scene3d>
+      <a:camera prst="orthographicFront"/>
+      <a:lightRig rig="threePt" dir="t"/>
+    </dgm:scene3d>
+    <dgm:sp3d/>
+    <dgm:txPr/>
+    <dgm:style>
+      <a:lnRef idx="2">
+        <a:scrgbClr r="0" g="0" b="0"/>
+      </a:lnRef>
+      <a:fillRef idx="1">
+        <a:scrgbClr r="0" g="0" b="0"/>
+      </a:fillRef>
+      <a:effectRef idx="0">
+        <a:scrgbClr r="0" g="0" b="0"/>
+      </a:effectRef>
+      <a:fontRef idx="minor"/>
+    </dgm:style>
+  </dgm:styleLbl>
+  <dgm:styleLbl name="alignAcc1">
+    <dgm:scene3d>
+      <a:camera prst="orthographicFront"/>
+      <a:lightRig rig="threePt" dir="t"/>
+    </dgm:scene3d>
+    <dgm:sp3d/>
+    <dgm:txPr/>
+    <dgm:style>
+      <a:lnRef idx="2">
+        <a:scrgbClr r="0" g="0" b="0"/>
+      </a:lnRef>
+      <a:fillRef idx="1">
+        <a:scrgbClr r="0" g="0" b="0"/>
+      </a:fillRef>
+      <a:effectRef idx="0">
+        <a:scrgbClr r="0" g="0" b="0"/>
+      </a:effectRef>
+      <a:fontRef idx="minor"/>
+    </dgm:style>
+  </dgm:styleLbl>
+  <dgm:styleLbl name="trAlignAcc1">
+    <dgm:scene3d>
+      <a:camera prst="orthographicFront"/>
+      <a:lightRig rig="threePt" dir="t"/>
+    </dgm:scene3d>
+    <dgm:sp3d/>
+    <dgm:txPr/>
+    <dgm:style>
+      <a:lnRef idx="1">
+        <a:scrgbClr r="0" g="0" b="0"/>
+      </a:lnRef>
+      <a:fillRef idx="1">
+        <a:scrgbClr r="0" g="0" b="0"/>
+      </a:fillRef>
+      <a:effectRef idx="0">
+        <a:scrgbClr r="0" g="0" b="0"/>
+      </a:effectRef>
+      <a:fontRef idx="minor"/>
+    </dgm:style>
+  </dgm:styleLbl>
+  <dgm:styleLbl name="bgAcc1">
+    <dgm:scene3d>
+      <a:camera prst="orthographicFront"/>
+      <a:lightRig rig="threePt" dir="t"/>
+    </dgm:scene3d>
+    <dgm:sp3d/>
+    <dgm:txPr/>
+    <dgm:style>
+      <a:lnRef idx="2">
+        <a:scrgbClr r="0" g="0" b="0"/>
+      </a:lnRef>
+      <a:fillRef idx="1">
+        <a:scrgbClr r="0" g="0" b="0"/>
+      </a:fillRef>
+      <a:effectRef idx="0">
+        <a:scrgbClr r="0" g="0" b="0"/>
+      </a:effectRef>
+      <a:fontRef idx="minor"/>
+    </dgm:style>
+  </dgm:styleLbl>
+  <dgm:styleLbl name="solidFgAcc1">
+    <dgm:scene3d>
+      <a:camera prst="orthographicFront"/>
+      <a:lightRig rig="threePt" dir="t"/>
+    </dgm:scene3d>
+    <dgm:sp3d/>
+    <dgm:txPr/>
+    <dgm:style>
+      <a:lnRef idx="2">
+        <a:scrgbClr r="0" g="0" b="0"/>
+      </a:lnRef>
+      <a:fillRef idx="1">
+        <a:scrgbClr r="0" g="0" b="0"/>
+      </a:fillRef>
+      <a:effectRef idx="0">
+        <a:scrgbClr r="0" g="0" b="0"/>
+      </a:effectRef>
+      <a:fontRef idx="minor"/>
+    </dgm:style>
+  </dgm:styleLbl>
+  <dgm:styleLbl name="solidAlignAcc1">
+    <dgm:scene3d>
+      <a:camera prst="orthographicFront"/>
+      <a:lightRig rig="threePt" dir="t"/>
+    </dgm:scene3d>
+    <dgm:sp3d/>
+    <dgm:txPr/>
+    <dgm:style>
+      <a:lnRef idx="2">
+        <a:scrgbClr r="0" g="0" b="0"/>
+      </a:lnRef>
+      <a:fillRef idx="1">
+        <a:scrgbClr r="0" g="0" b="0"/>
+      </a:fillRef>
+      <a:effectRef idx="0">
+        <a:scrgbClr r="0" g="0" b="0"/>
+      </a:effectRef>
+      <a:fontRef idx="minor"/>
+    </dgm:style>
+  </dgm:styleLbl>
+  <dgm:styleLbl name="solidBgAcc1">
+    <dgm:scene3d>
+      <a:camera prst="orthographicFront"/>
+      <a:lightRig rig="threePt" dir="t"/>
+    </dgm:scene3d>
+    <dgm:sp3d/>
+    <dgm:txPr/>
+    <dgm:style>
+      <a:lnRef idx="2">
+        <a:scrgbClr r="0" g="0" b="0"/>
+      </a:lnRef>
+      <a:fillRef idx="1">
+        <a:scrgbClr r="0" g="0" b="0"/>
+      </a:fillRef>
+      <a:effectRef idx="0">
+        <a:scrgbClr r="0" g="0" b="0"/>
+      </a:effectRef>
+      <a:fontRef idx="minor"/>
+    </dgm:style>
+  </dgm:styleLbl>
+  <dgm:styleLbl name="fgAccFollowNode1">
+    <dgm:scene3d>
+      <a:camera prst="orthographicFront"/>
+      <a:lightRig rig="threePt" dir="t"/>
+    </dgm:scene3d>
+    <dgm:sp3d/>
+    <dgm:txPr/>
+    <dgm:style>
+      <a:lnRef idx="2">
+        <a:scrgbClr r="0" g="0" b="0"/>
+      </a:lnRef>
+      <a:fillRef idx="1">
+        <a:scrgbClr r="0" g="0" b="0"/>
+      </a:fillRef>
+      <a:effectRef idx="0">
+        <a:scrgbClr r="0" g="0" b="0"/>
+      </a:effectRef>
+      <a:fontRef idx="minor"/>
+    </dgm:style>
+  </dgm:styleLbl>
+  <dgm:styleLbl name="alignAccFollowNode1">
+    <dgm:scene3d>
+      <a:camera prst="orthographicFront"/>
+      <a:lightRig rig="threePt" dir="t"/>
+    </dgm:scene3d>
+    <dgm:sp3d/>
+    <dgm:txPr/>
+    <dgm:style>
+      <a:lnRef idx="2">
+        <a:scrgbClr r="0" g="0" b="0"/>
+      </a:lnRef>
+      <a:fillRef idx="1">
+        <a:scrgbClr r="0" g="0" b="0"/>
+      </a:fillRef>
+      <a:effectRef idx="0">
+        <a:scrgbClr r="0" g="0" b="0"/>
+      </a:effectRef>
+      <a:fontRef idx="minor"/>
+    </dgm:style>
+  </dgm:styleLbl>
+  <dgm:styleLbl name="bgAccFollowNode1">
+    <dgm:scene3d>
+      <a:camera prst="orthographicFront"/>
+      <a:lightRig rig="threePt" dir="t"/>
+    </dgm:scene3d>
+    <dgm:sp3d/>
+    <dgm:txPr/>
+    <dgm:style>
+      <a:lnRef idx="2">
+        <a:scrgbClr r="0" g="0" b="0"/>
+      </a:lnRef>
+      <a:fillRef idx="1">
+        <a:scrgbClr r="0" g="0" b="0"/>
+      </a:fillRef>
+      <a:effectRef idx="0">
+        <a:scrgbClr r="0" g="0" b="0"/>
+      </a:effectRef>
+      <a:fontRef idx="minor"/>
+    </dgm:style>
+  </dgm:styleLbl>
+  <dgm:styleLbl name="fgAcc0">
+    <dgm:scene3d>
+      <a:camera prst="orthographicFront"/>
+      <a:lightRig rig="threePt" dir="t"/>
+    </dgm:scene3d>
+    <dgm:sp3d/>
+    <dgm:txPr/>
+    <dgm:style>
+      <a:lnRef idx="2">
+        <a:scrgbClr r="0" g="0" b="0"/>
+      </a:lnRef>
+      <a:fillRef idx="1">
+        <a:scrgbClr r="0" g="0" b="0"/>
+      </a:fillRef>
+      <a:effectRef idx="0">
+        <a:scrgbClr r="0" g="0" b="0"/>
+      </a:effectRef>
+      <a:fontRef idx="minor"/>
+    </dgm:style>
+  </dgm:styleLbl>
+  <dgm:styleLbl name="fgAcc2">
+    <dgm:scene3d>
+      <a:camera prst="orthographicFront"/>
+      <a:lightRig rig="threePt" dir="t"/>
+    </dgm:scene3d>
+    <dgm:sp3d/>
+    <dgm:txPr/>
+    <dgm:style>
+      <a:lnRef idx="2">
+        <a:scrgbClr r="0" g="0" b="0"/>
+      </a:lnRef>
+      <a:fillRef idx="1">
+        <a:scrgbClr r="0" g="0" b="0"/>
+      </a:fillRef>
+      <a:effectRef idx="0">
+        <a:scrgbClr r="0" g="0" b="0"/>
+      </a:effectRef>
+      <a:fontRef idx="minor"/>
+    </dgm:style>
+  </dgm:styleLbl>
+  <dgm:styleLbl name="fgAcc3">
+    <dgm:scene3d>
+      <a:camera prst="orthographicFront"/>
+      <a:lightRig rig="threePt" dir="t"/>
+    </dgm:scene3d>
+    <dgm:sp3d/>
+    <dgm:txPr/>
+    <dgm:style>
+      <a:lnRef idx="2">
+        <a:scrgbClr r="0" g="0" b="0"/>
+      </a:lnRef>
+      <a:fillRef idx="1">
+        <a:scrgbClr r="0" g="0" b="0"/>
+      </a:fillRef>
+      <a:effectRef idx="0">
+        <a:scrgbClr r="0" g="0" b="0"/>
+      </a:effectRef>
+      <a:fontRef idx="minor"/>
+    </dgm:style>
+  </dgm:styleLbl>
+  <dgm:styleLbl name="fgAcc4">
+    <dgm:scene3d>
+      <a:camera prst="orthographicFront"/>
+      <a:lightRig rig="threePt" dir="t"/>
+    </dgm:scene3d>
+    <dgm:sp3d/>
+    <dgm:txPr/>
+    <dgm:style>
+      <a:lnRef idx="2">
+        <a:scrgbClr r="0" g="0" b="0"/>
+      </a:lnRef>
+      <a:fillRef idx="1">
+        <a:scrgbClr r="0" g="0" b="0"/>
+      </a:fillRef>
+      <a:effectRef idx="0">
+        <a:scrgbClr r="0" g="0" b="0"/>
+      </a:effectRef>
+      <a:fontRef idx="minor"/>
+    </dgm:style>
+  </dgm:styleLbl>
+  <dgm:styleLbl name="bgShp">
+    <dgm:scene3d>
+      <a:camera prst="orthographicFront"/>
+      <a:lightRig rig="threePt" dir="t"/>
+    </dgm:scene3d>
+    <dgm:sp3d/>
+    <dgm:txPr/>
+    <dgm:style>
+      <a:lnRef idx="0">
+        <a:scrgbClr r="0" g="0" b="0"/>
+      </a:lnRef>
+      <a:fillRef idx="1">
+        <a:scrgbClr r="0" g="0" b="0"/>
+      </a:fillRef>
+      <a:effectRef idx="0">
+        <a:scrgbClr r="0" g="0" b="0"/>
+      </a:effectRef>
+      <a:fontRef idx="minor"/>
+    </dgm:style>
+  </dgm:styleLbl>
+  <dgm:styleLbl name="dkBgShp">
+    <dgm:scene3d>
+      <a:camera prst="orthographicFront"/>
+      <a:lightRig rig="threePt" dir="t"/>
+    </dgm:scene3d>
+    <dgm:sp3d/>
+    <dgm:txPr/>
+    <dgm:style>
+      <a:lnRef idx="0">
+        <a:scrgbClr r="0" g="0" b="0"/>
+      </a:lnRef>
+      <a:fillRef idx="1">
+        <a:scrgbClr r="0" g="0" b="0"/>
+      </a:fillRef>
+      <a:effectRef idx="0">
+        <a:scrgbClr r="0" g="0" b="0"/>
+      </a:effectRef>
+      <a:fontRef idx="minor"/>
+    </dgm:style>
+  </dgm:styleLbl>
+  <dgm:styleLbl name="trBgShp">
+    <dgm:scene3d>
+      <a:camera prst="orthographicFront"/>
+      <a:lightRig rig="threePt" dir="t"/>
+    </dgm:scene3d>
+    <dgm:sp3d/>
+    <dgm:txPr/>
+    <dgm:style>
+      <a:lnRef idx="0">
+        <a:scrgbClr r="0" g="0" b="0"/>
+      </a:lnRef>
+      <a:fillRef idx="1">
+        <a:scrgbClr r="0" g="0" b="0"/>
+      </a:fillRef>
+      <a:effectRef idx="0">
+        <a:scrgbClr r="0" g="0" b="0"/>
+      </a:effectRef>
+      <a:fontRef idx="minor"/>
+    </dgm:style>
+  </dgm:styleLbl>
+  <dgm:styleLbl name="fgShp">
+    <dgm:scene3d>
+      <a:camera prst="orthographicFront"/>
+      <a:lightRig rig="threePt" dir="t"/>
+    </dgm:scene3d>
+    <dgm:sp3d/>
+    <dgm:txPr/>
+    <dgm:style>
+      <a:lnRef idx="2">
+        <a:scrgbClr r="0" g="0" b="0"/>
+      </a:lnRef>
+      <a:fillRef idx="1">
+        <a:scrgbClr r="0" g="0" b="0"/>
+      </a:fillRef>
+      <a:effectRef idx="0">
+        <a:scrgbClr r="0" g="0" b="0"/>
+      </a:effectRef>
+      <a:fontRef idx="minor"/>
+    </dgm:style>
+  </dgm:styleLbl>
+  <dgm:styleLbl name="revTx">
+    <dgm:scene3d>
+      <a:camera prst="orthographicFront"/>
+      <a:lightRig rig="threePt" dir="t"/>
+    </dgm:scene3d>
+    <dgm:sp3d/>
+    <dgm:txPr/>
+    <dgm:style>
+      <a:lnRef idx="0">
+        <a:scrgbClr r="0" g="0" b="0"/>
+      </a:lnRef>
+      <a:fillRef idx="0">
+        <a:scrgbClr r="0" g="0" b="0"/>
+      </a:fillRef>
+      <a:effectRef idx="0">
+        <a:scrgbClr r="0" g="0" b="0"/>
+      </a:effectRef>
+      <a:fontRef idx="minor"/>
+    </dgm:style>
+  </dgm:styleLbl>
+</dgm:styleDef>
 </file>
 
 <file path=ppt/notesMasters/notesMaster1.xml><?xml version="1.0" encoding="utf-8"?>
@@ -776,7 +3505,7 @@
           <a:p>
             <a:fld id="{3FE6996D-EBEF-473B-8179-A2F19BBC7402}" type="datetimeFigureOut">
               <a:rPr lang="en-US" smtClean="0"/>
-              <a:t>10/17/2022</a:t>
+              <a:t>10/27/2022</a:t>
             </a:fld>
             <a:endParaRPr lang="en-US"/>
           </a:p>
@@ -3733,7 +6462,7 @@
           <a:p>
             <a:fld id="{2596040C-EDF0-4886-A7F4-CC7275106759}" type="datetime1">
               <a:rPr lang="en-US" smtClean="0"/>
-              <a:t>10/17/2022</a:t>
+              <a:t>10/27/2022</a:t>
             </a:fld>
             <a:endParaRPr lang="en-US"/>
           </a:p>
@@ -3961,7 +6690,7 @@
           <a:p>
             <a:fld id="{A9AB284A-F62E-4A83-81C8-4C322C263973}" type="datetime1">
               <a:rPr lang="en-US" smtClean="0"/>
-              <a:t>10/17/2022</a:t>
+              <a:t>10/27/2022</a:t>
             </a:fld>
             <a:endParaRPr lang="en-US"/>
           </a:p>
@@ -4413,7 +7142,7 @@
           <a:p>
             <a:fld id="{650C74F3-63A6-48A5-B72F-A86B4D2B89AA}" type="datetime1">
               <a:rPr lang="en-US" smtClean="0"/>
-              <a:t>10/17/2022</a:t>
+              <a:t>10/27/2022</a:t>
             </a:fld>
             <a:endParaRPr lang="en-US"/>
           </a:p>
@@ -4613,7 +7342,7 @@
           <a:p>
             <a:fld id="{0A173201-05BC-4EEC-8B46-67989DE22D36}" type="datetime1">
               <a:rPr lang="en-US" smtClean="0"/>
-              <a:t>10/17/2022</a:t>
+              <a:t>10/27/2022</a:t>
             </a:fld>
             <a:endParaRPr lang="en-US"/>
           </a:p>
@@ -4986,7 +7715,7 @@
           <a:p>
             <a:fld id="{3BA13D6B-2270-4601-95A2-214F7D62C768}" type="datetime1">
               <a:rPr lang="en-US" smtClean="0"/>
-              <a:t>10/17/2022</a:t>
+              <a:t>10/27/2022</a:t>
             </a:fld>
             <a:endParaRPr lang="en-US"/>
           </a:p>
@@ -10724,31 +13453,37 @@
           </a:p>
         </p:txBody>
       </p:sp>
-      <p:sp>
-        <p:nvSpPr>
-          <p:cNvPr id="3" name="Content Placeholder 2">
+      <p:graphicFrame>
+        <p:nvGraphicFramePr>
+          <p:cNvPr id="6" name="Content Placeholder 5">
             <a:extLst>
               <a:ext uri="{FF2B5EF4-FFF2-40B4-BE49-F238E27FC236}">
-                <a16:creationId xmlns:a16="http://schemas.microsoft.com/office/drawing/2014/main" id="{0809725B-B8AF-8A3E-B098-A0C3B843B6BE}"/>
+                <a16:creationId xmlns:a16="http://schemas.microsoft.com/office/drawing/2014/main" id="{213266F8-52AB-D765-A233-C16EA1C01772}"/>
               </a:ext>
             </a:extLst>
           </p:cNvPr>
-          <p:cNvSpPr>
-            <a:spLocks noGrp="1"/>
-          </p:cNvSpPr>
+          <p:cNvGraphicFramePr>
+            <a:graphicFrameLocks noGrp="1"/>
+          </p:cNvGraphicFramePr>
           <p:nvPr>
             <p:ph idx="1"/>
+            <p:extLst>
+              <p:ext uri="{D42A27DB-BD31-4B8C-83A1-F6EECF244321}">
+                <p14:modId xmlns:p14="http://schemas.microsoft.com/office/powerpoint/2010/main" val="1008378295"/>
+              </p:ext>
+            </p:extLst>
           </p:nvPr>
-        </p:nvSpPr>
-        <p:spPr/>
-        <p:txBody>
-          <a:bodyPr/>
-          <a:lstStyle/>
-          <a:p>
-            <a:endParaRPr lang="sv-SE"/>
-          </a:p>
-        </p:txBody>
-      </p:sp>
+        </p:nvGraphicFramePr>
+        <p:xfrm>
+          <a:off x="838200" y="1825625"/>
+          <a:ext cx="10515600" cy="4351338"/>
+        </p:xfrm>
+        <a:graphic>
+          <a:graphicData uri="http://schemas.openxmlformats.org/drawingml/2006/diagram">
+            <dgm:relIds xmlns:dgm="http://schemas.openxmlformats.org/drawingml/2006/diagram" xmlns:r="http://schemas.openxmlformats.org/officeDocument/2006/relationships" r:dm="rId2" r:lo="rId3" r:qs="rId4" r:cs="rId5"/>
+          </a:graphicData>
+        </a:graphic>
+      </p:graphicFrame>
       <p:sp>
         <p:nvSpPr>
           <p:cNvPr id="4" name="Footer Placeholder 3">
@@ -11476,21 +14211,6 @@
 </file>
 
 <file path=customXml/item1.xml><?xml version="1.0" encoding="utf-8"?>
-<p:properties xmlns:p="http://schemas.microsoft.com/office/2006/metadata/properties" xmlns:xsi="http://www.w3.org/2001/XMLSchema-instance" xmlns:pc="http://schemas.microsoft.com/office/infopath/2007/PartnerControls">
-  <documentManagement/>
-</p:properties>
-</file>
-
-<file path=customXml/item2.xml><?xml version="1.0" encoding="utf-8"?>
-<?mso-contentType ?>
-<FormTemplates xmlns="http://schemas.microsoft.com/sharepoint/v3/contenttype/forms">
-  <Display>DocumentLibraryForm</Display>
-  <Edit>DocumentLibraryForm</Edit>
-  <New>DocumentLibraryForm</New>
-</FormTemplates>
-</file>
-
-<file path=customXml/item3.xml><?xml version="1.0" encoding="utf-8"?>
 <ct:contentTypeSchema xmlns:ct="http://schemas.microsoft.com/office/2006/metadata/contentType" xmlns:ma="http://schemas.microsoft.com/office/2006/metadata/properties/metaAttributes" ct:_="" ma:_="" ma:contentTypeName="dokument" ma:contentTypeID="0x010100F2F920B9069F704196EFC43825794A2B" ma:contentTypeVersion="11" ma:contentTypeDescription="Skapa ett nytt dokument." ma:contentTypeScope="" ma:versionID="f7cfefbb7ab48f18c0f5844d9cdc11e5">
   <xsd:schema xmlns:xsd="http://www.w3.org/2001/XMLSchema" xmlns:xs="http://www.w3.org/2001/XMLSchema" xmlns:p="http://schemas.microsoft.com/office/2006/metadata/properties" xmlns:ns2="0f14873d-2e7c-4c89-9c52-6b127b1bbd38" xmlns:ns3="1aab9562-9fbc-4cac-a1dd-e511dcd87f26" targetNamespace="http://schemas.microsoft.com/office/2006/metadata/properties" ma:root="true" ma:fieldsID="d1ad9e5fc228265a37d563997d055050" ns2:_="" ns3:_="">
     <xsd:import namespace="0f14873d-2e7c-4c89-9c52-6b127b1bbd38"/>
@@ -11701,24 +14421,22 @@
 </ct:contentTypeSchema>
 </file>
 
-<file path=customXml/itemProps1.xml><?xml version="1.0" encoding="utf-8"?>
-<ds:datastoreItem xmlns:ds="http://schemas.openxmlformats.org/officeDocument/2006/customXml" ds:itemID="{B35553C2-8CAE-4724-9C9C-C665B72C8956}">
-  <ds:schemaRefs>
-    <ds:schemaRef ds:uri="http://schemas.microsoft.com/office/2006/metadata/properties"/>
-    <ds:schemaRef ds:uri="http://schemas.microsoft.com/office/infopath/2007/PartnerControls"/>
-  </ds:schemaRefs>
-</ds:datastoreItem>
+<file path=customXml/item2.xml><?xml version="1.0" encoding="utf-8"?>
+<?mso-contentType ?>
+<FormTemplates xmlns="http://schemas.microsoft.com/sharepoint/v3/contenttype/forms">
+  <Display>DocumentLibraryForm</Display>
+  <Edit>DocumentLibraryForm</Edit>
+  <New>DocumentLibraryForm</New>
+</FormTemplates>
 </file>
 
-<file path=customXml/itemProps2.xml><?xml version="1.0" encoding="utf-8"?>
-<ds:datastoreItem xmlns:ds="http://schemas.openxmlformats.org/officeDocument/2006/customXml" ds:itemID="{3A0C315B-BB39-48DB-AE40-BF7C9B324560}">
-  <ds:schemaRefs>
-    <ds:schemaRef ds:uri="http://schemas.microsoft.com/sharepoint/v3/contenttype/forms"/>
-  </ds:schemaRefs>
-</ds:datastoreItem>
+<file path=customXml/item3.xml><?xml version="1.0" encoding="utf-8"?>
+<p:properties xmlns:p="http://schemas.microsoft.com/office/2006/metadata/properties" xmlns:xsi="http://www.w3.org/2001/XMLSchema-instance" xmlns:pc="http://schemas.microsoft.com/office/infopath/2007/PartnerControls">
+  <documentManagement/>
+</p:properties>
 </file>
 
-<file path=customXml/itemProps3.xml><?xml version="1.0" encoding="utf-8"?>
+<file path=customXml/itemProps1.xml><?xml version="1.0" encoding="utf-8"?>
 <ds:datastoreItem xmlns:ds="http://schemas.openxmlformats.org/officeDocument/2006/customXml" ds:itemID="{7E8912DB-5721-4605-9ECD-2FCB0BEB1C1B}">
   <ds:schemaRefs>
     <ds:schemaRef ds:uri="http://schemas.microsoft.com/office/2006/metadata/contentType"/>
@@ -11735,4 +14453,21 @@
     <ds:schemaRef ds:uri="http://schemas.microsoft.com/internal/obd"/>
   </ds:schemaRefs>
 </ds:datastoreItem>
+</file>
+
+<file path=customXml/itemProps2.xml><?xml version="1.0" encoding="utf-8"?>
+<ds:datastoreItem xmlns:ds="http://schemas.openxmlformats.org/officeDocument/2006/customXml" ds:itemID="{3A0C315B-BB39-48DB-AE40-BF7C9B324560}">
+  <ds:schemaRefs>
+    <ds:schemaRef ds:uri="http://schemas.microsoft.com/sharepoint/v3/contenttype/forms"/>
+  </ds:schemaRefs>
+</ds:datastoreItem>
+</file>
+
+<file path=customXml/itemProps3.xml><?xml version="1.0" encoding="utf-8"?>
+<ds:datastoreItem xmlns:ds="http://schemas.openxmlformats.org/officeDocument/2006/customXml" ds:itemID="{B35553C2-8CAE-4724-9C9C-C665B72C8956}">
+  <ds:schemaRefs>
+    <ds:schemaRef ds:uri="http://schemas.microsoft.com/office/2006/metadata/properties"/>
+    <ds:schemaRef ds:uri="http://schemas.microsoft.com/office/infopath/2007/PartnerControls"/>
+  </ds:schemaRefs>
+</ds:datastoreItem>
 </file>